--- a/rsfriction/fricrionForce_YuE/docs/magnetizedElectronFigures.pptx
+++ b/rsfriction/fricrionForce_YuE/docs/magnetizedElectronFigures.pptx
@@ -8,6 +8,7 @@
     <p:sldId id="256" r:id="rId2"/>
     <p:sldId id="257" r:id="rId3"/>
     <p:sldId id="258" r:id="rId4"/>
+    <p:sldId id="259" r:id="rId5"/>
   </p:sldIdLst>
   <p:sldSz cx="12192000" cy="6858000"/>
   <p:notesSz cx="6858000" cy="9144000"/>
@@ -243,7 +244,7 @@
           <a:p>
             <a:fld id="{2B89F7DB-6B41-4B29-95B0-982C6A923CF9}" type="datetimeFigureOut">
               <a:rPr lang="en-US" smtClean="0"/>
-              <a:t>8/9/2017</a:t>
+              <a:t>8/18/2017</a:t>
             </a:fld>
             <a:endParaRPr lang="en-US"/>
           </a:p>
@@ -411,7 +412,7 @@
           <a:p>
             <a:fld id="{2B89F7DB-6B41-4B29-95B0-982C6A923CF9}" type="datetimeFigureOut">
               <a:rPr lang="en-US" smtClean="0"/>
-              <a:t>8/9/2017</a:t>
+              <a:t>8/18/2017</a:t>
             </a:fld>
             <a:endParaRPr lang="en-US"/>
           </a:p>
@@ -589,7 +590,7 @@
           <a:p>
             <a:fld id="{2B89F7DB-6B41-4B29-95B0-982C6A923CF9}" type="datetimeFigureOut">
               <a:rPr lang="en-US" smtClean="0"/>
-              <a:t>8/9/2017</a:t>
+              <a:t>8/18/2017</a:t>
             </a:fld>
             <a:endParaRPr lang="en-US"/>
           </a:p>
@@ -757,7 +758,7 @@
           <a:p>
             <a:fld id="{2B89F7DB-6B41-4B29-95B0-982C6A923CF9}" type="datetimeFigureOut">
               <a:rPr lang="en-US" smtClean="0"/>
-              <a:t>8/9/2017</a:t>
+              <a:t>8/18/2017</a:t>
             </a:fld>
             <a:endParaRPr lang="en-US"/>
           </a:p>
@@ -1002,7 +1003,7 @@
           <a:p>
             <a:fld id="{2B89F7DB-6B41-4B29-95B0-982C6A923CF9}" type="datetimeFigureOut">
               <a:rPr lang="en-US" smtClean="0"/>
-              <a:t>8/9/2017</a:t>
+              <a:t>8/18/2017</a:t>
             </a:fld>
             <a:endParaRPr lang="en-US"/>
           </a:p>
@@ -1231,7 +1232,7 @@
           <a:p>
             <a:fld id="{2B89F7DB-6B41-4B29-95B0-982C6A923CF9}" type="datetimeFigureOut">
               <a:rPr lang="en-US" smtClean="0"/>
-              <a:t>8/9/2017</a:t>
+              <a:t>8/18/2017</a:t>
             </a:fld>
             <a:endParaRPr lang="en-US"/>
           </a:p>
@@ -1595,7 +1596,7 @@
           <a:p>
             <a:fld id="{2B89F7DB-6B41-4B29-95B0-982C6A923CF9}" type="datetimeFigureOut">
               <a:rPr lang="en-US" smtClean="0"/>
-              <a:t>8/9/2017</a:t>
+              <a:t>8/18/2017</a:t>
             </a:fld>
             <a:endParaRPr lang="en-US"/>
           </a:p>
@@ -1712,7 +1713,7 @@
           <a:p>
             <a:fld id="{2B89F7DB-6B41-4B29-95B0-982C6A923CF9}" type="datetimeFigureOut">
               <a:rPr lang="en-US" smtClean="0"/>
-              <a:t>8/9/2017</a:t>
+              <a:t>8/18/2017</a:t>
             </a:fld>
             <a:endParaRPr lang="en-US"/>
           </a:p>
@@ -1807,7 +1808,7 @@
           <a:p>
             <a:fld id="{2B89F7DB-6B41-4B29-95B0-982C6A923CF9}" type="datetimeFigureOut">
               <a:rPr lang="en-US" smtClean="0"/>
-              <a:t>8/9/2017</a:t>
+              <a:t>8/18/2017</a:t>
             </a:fld>
             <a:endParaRPr lang="en-US"/>
           </a:p>
@@ -2082,7 +2083,7 @@
           <a:p>
             <a:fld id="{2B89F7DB-6B41-4B29-95B0-982C6A923CF9}" type="datetimeFigureOut">
               <a:rPr lang="en-US" smtClean="0"/>
-              <a:t>8/9/2017</a:t>
+              <a:t>8/18/2017</a:t>
             </a:fld>
             <a:endParaRPr lang="en-US"/>
           </a:p>
@@ -2334,7 +2335,7 @@
           <a:p>
             <a:fld id="{2B89F7DB-6B41-4B29-95B0-982C6A923CF9}" type="datetimeFigureOut">
               <a:rPr lang="en-US" smtClean="0"/>
-              <a:t>8/9/2017</a:t>
+              <a:t>8/18/2017</a:t>
             </a:fld>
             <a:endParaRPr lang="en-US"/>
           </a:p>
@@ -2545,7 +2546,7 @@
           <a:p>
             <a:fld id="{2B89F7DB-6B41-4B29-95B0-982C6A923CF9}" type="datetimeFigureOut">
               <a:rPr lang="en-US" smtClean="0"/>
-              <a:t>8/9/2017</a:t>
+              <a:t>8/18/2017</a:t>
             </a:fld>
             <a:endParaRPr lang="en-US"/>
           </a:p>
@@ -3452,7 +3453,7 @@
           <a:graphicData uri="http://schemas.openxmlformats.org/presentationml/2006/ole">
             <mc:AlternateContent xmlns:mc="http://schemas.openxmlformats.org/markup-compatibility/2006">
               <mc:Choice xmlns:v="urn:schemas-microsoft-com:vml" Requires="v">
-                <p:oleObj spid="_x0000_s1121" name="Equation" r:id="rId3" imgW="139680" imgH="228600" progId="Equation.DSMT4">
+                <p:oleObj spid="_x0000_s1181" name="Equation" r:id="rId3" imgW="139680" imgH="228600" progId="Equation.DSMT4">
                   <p:embed/>
                 </p:oleObj>
               </mc:Choice>
@@ -3509,7 +3510,7 @@
           <a:graphicData uri="http://schemas.openxmlformats.org/presentationml/2006/ole">
             <mc:AlternateContent xmlns:mc="http://schemas.openxmlformats.org/markup-compatibility/2006">
               <mc:Choice xmlns:v="urn:schemas-microsoft-com:vml" Requires="v">
-                <p:oleObj spid="_x0000_s1122" name="Equation" r:id="rId5" imgW="126720" imgH="228600" progId="Equation.DSMT4">
+                <p:oleObj spid="_x0000_s1182" name="Equation" r:id="rId5" imgW="126720" imgH="228600" progId="Equation.DSMT4">
                   <p:embed/>
                 </p:oleObj>
               </mc:Choice>
@@ -3566,7 +3567,7 @@
           <a:graphicData uri="http://schemas.openxmlformats.org/presentationml/2006/ole">
             <mc:AlternateContent xmlns:mc="http://schemas.openxmlformats.org/markup-compatibility/2006">
               <mc:Choice xmlns:v="urn:schemas-microsoft-com:vml" Requires="v">
-                <p:oleObj spid="_x0000_s1123" name="Equation" r:id="rId7" imgW="152280" imgH="228600" progId="Equation.DSMT4">
+                <p:oleObj spid="_x0000_s1183" name="Equation" r:id="rId7" imgW="152280" imgH="228600" progId="Equation.DSMT4">
                   <p:embed/>
                 </p:oleObj>
               </mc:Choice>
@@ -3623,7 +3624,7 @@
           <a:graphicData uri="http://schemas.openxmlformats.org/presentationml/2006/ole">
             <mc:AlternateContent xmlns:mc="http://schemas.openxmlformats.org/markup-compatibility/2006">
               <mc:Choice xmlns:v="urn:schemas-microsoft-com:vml" Requires="v">
-                <p:oleObj spid="_x0000_s1124" name="Equation" r:id="rId9" imgW="139680" imgH="228600" progId="Equation.DSMT4">
+                <p:oleObj spid="_x0000_s1184" name="Equation" r:id="rId9" imgW="139680" imgH="228600" progId="Equation.DSMT4">
                   <p:embed/>
                 </p:oleObj>
               </mc:Choice>
@@ -3680,7 +3681,7 @@
           <a:graphicData uri="http://schemas.openxmlformats.org/presentationml/2006/ole">
             <mc:AlternateContent xmlns:mc="http://schemas.openxmlformats.org/markup-compatibility/2006">
               <mc:Choice xmlns:v="urn:schemas-microsoft-com:vml" Requires="v">
-                <p:oleObj spid="_x0000_s1125" name="Equation" r:id="rId11" imgW="126720" imgH="164880" progId="Equation.DSMT4">
+                <p:oleObj spid="_x0000_s1185" name="Equation" r:id="rId11" imgW="126720" imgH="164880" progId="Equation.DSMT4">
                   <p:embed/>
                 </p:oleObj>
               </mc:Choice>
@@ -3737,7 +3738,7 @@
           <a:graphicData uri="http://schemas.openxmlformats.org/presentationml/2006/ole">
             <mc:AlternateContent xmlns:mc="http://schemas.openxmlformats.org/markup-compatibility/2006">
               <mc:Choice xmlns:v="urn:schemas-microsoft-com:vml" Requires="v">
-                <p:oleObj spid="_x0000_s1126" name="Equation" r:id="rId13" imgW="152280" imgH="228600" progId="Equation.DSMT4">
+                <p:oleObj spid="_x0000_s1186" name="Equation" r:id="rId13" imgW="152280" imgH="228600" progId="Equation.DSMT4">
                   <p:embed/>
                 </p:oleObj>
               </mc:Choice>
@@ -3794,7 +3795,7 @@
           <a:graphicData uri="http://schemas.openxmlformats.org/presentationml/2006/ole">
             <mc:AlternateContent xmlns:mc="http://schemas.openxmlformats.org/markup-compatibility/2006">
               <mc:Choice xmlns:v="urn:schemas-microsoft-com:vml" Requires="v">
-                <p:oleObj spid="_x0000_s1127" name="Equation" r:id="rId15" imgW="507960" imgH="253800" progId="Equation.DSMT4">
+                <p:oleObj spid="_x0000_s1187" name="Equation" r:id="rId15" imgW="507960" imgH="253800" progId="Equation.DSMT4">
                   <p:embed/>
                 </p:oleObj>
               </mc:Choice>
@@ -3851,7 +3852,7 @@
           <a:graphicData uri="http://schemas.openxmlformats.org/presentationml/2006/ole">
             <mc:AlternateContent xmlns:mc="http://schemas.openxmlformats.org/markup-compatibility/2006">
               <mc:Choice xmlns:v="urn:schemas-microsoft-com:vml" Requires="v">
-                <p:oleObj spid="_x0000_s1128" name="Equation" r:id="rId17" imgW="152280" imgH="253800" progId="Equation.DSMT4">
+                <p:oleObj spid="_x0000_s1188" name="Equation" r:id="rId17" imgW="152280" imgH="253800" progId="Equation.DSMT4">
                   <p:embed/>
                 </p:oleObj>
               </mc:Choice>
@@ -3908,7 +3909,7 @@
           <a:graphicData uri="http://schemas.openxmlformats.org/presentationml/2006/ole">
             <mc:AlternateContent xmlns:mc="http://schemas.openxmlformats.org/markup-compatibility/2006">
               <mc:Choice xmlns:v="urn:schemas-microsoft-com:vml" Requires="v">
-                <p:oleObj spid="_x0000_s1129" name="Equation" r:id="rId19" imgW="139680" imgH="164880" progId="Equation.DSMT4">
+                <p:oleObj spid="_x0000_s1189" name="Equation" r:id="rId19" imgW="139680" imgH="164880" progId="Equation.DSMT4">
                   <p:embed/>
                 </p:oleObj>
               </mc:Choice>
@@ -3965,7 +3966,7 @@
           <a:graphicData uri="http://schemas.openxmlformats.org/presentationml/2006/ole">
             <mc:AlternateContent xmlns:mc="http://schemas.openxmlformats.org/markup-compatibility/2006">
               <mc:Choice xmlns:v="urn:schemas-microsoft-com:vml" Requires="v">
-                <p:oleObj spid="_x0000_s1130" name="Equation" r:id="rId21" imgW="126720" imgH="139680" progId="Equation.DSMT4">
+                <p:oleObj spid="_x0000_s1190" name="Equation" r:id="rId21" imgW="126720" imgH="139680" progId="Equation.DSMT4">
                   <p:embed/>
                 </p:oleObj>
               </mc:Choice>
@@ -4022,7 +4023,7 @@
           <a:graphicData uri="http://schemas.openxmlformats.org/presentationml/2006/ole">
             <mc:AlternateContent xmlns:mc="http://schemas.openxmlformats.org/markup-compatibility/2006">
               <mc:Choice xmlns:v="urn:schemas-microsoft-com:vml" Requires="v">
-                <p:oleObj spid="_x0000_s1131" name="Equation" r:id="rId23" imgW="126720" imgH="126720" progId="Equation.DSMT4">
+                <p:oleObj spid="_x0000_s1191" name="Equation" r:id="rId23" imgW="126720" imgH="126720" progId="Equation.DSMT4">
                   <p:embed/>
                 </p:oleObj>
               </mc:Choice>
@@ -4079,7 +4080,7 @@
           <a:graphicData uri="http://schemas.openxmlformats.org/presentationml/2006/ole">
             <mc:AlternateContent xmlns:mc="http://schemas.openxmlformats.org/markup-compatibility/2006">
               <mc:Choice xmlns:v="urn:schemas-microsoft-com:vml" Requires="v">
-                <p:oleObj spid="_x0000_s1132" name="Equation" r:id="rId25" imgW="152280" imgH="177480" progId="Equation.DSMT4">
+                <p:oleObj spid="_x0000_s1192" name="Equation" r:id="rId25" imgW="152280" imgH="177480" progId="Equation.DSMT4">
                   <p:embed/>
                 </p:oleObj>
               </mc:Choice>
@@ -4356,6 +4357,2682 @@
     <p:extLst>
       <p:ext uri="{BB962C8B-B14F-4D97-AF65-F5344CB8AC3E}">
         <p14:creationId xmlns:p14="http://schemas.microsoft.com/office/powerpoint/2010/main" val="657362388"/>
+      </p:ext>
+    </p:extLst>
+  </p:cSld>
+  <p:clrMapOvr>
+    <a:masterClrMapping/>
+  </p:clrMapOvr>
+</p:sld>
+</file>
+
+<file path=ppt/slides/slide4.xml><?xml version="1.0" encoding="utf-8"?>
+<p:sld xmlns:a="http://schemas.openxmlformats.org/drawingml/2006/main" xmlns:r="http://schemas.openxmlformats.org/officeDocument/2006/relationships" xmlns:p="http://schemas.openxmlformats.org/presentationml/2006/main">
+  <p:cSld>
+    <p:spTree>
+      <p:nvGrpSpPr>
+        <p:cNvPr id="1" name=""/>
+        <p:cNvGrpSpPr/>
+        <p:nvPr/>
+      </p:nvGrpSpPr>
+      <p:grpSpPr>
+        <a:xfrm>
+          <a:off x="0" y="0"/>
+          <a:ext cx="0" cy="0"/>
+          <a:chOff x="0" y="0"/>
+          <a:chExt cx="0" cy="0"/>
+        </a:xfrm>
+      </p:grpSpPr>
+      <p:grpSp>
+        <p:nvGrpSpPr>
+          <p:cNvPr id="9" name="Group 8"/>
+          <p:cNvGrpSpPr/>
+          <p:nvPr/>
+        </p:nvGrpSpPr>
+        <p:grpSpPr>
+          <a:xfrm>
+            <a:off x="5090666" y="488160"/>
+            <a:ext cx="5225185" cy="381376"/>
+            <a:chOff x="5512524" y="463680"/>
+            <a:chExt cx="4683755" cy="381376"/>
+          </a:xfrm>
+        </p:grpSpPr>
+        <p:sp>
+          <p:nvSpPr>
+            <p:cNvPr id="7" name="Flowchart: Card 6"/>
+            <p:cNvSpPr/>
+            <p:nvPr/>
+          </p:nvSpPr>
+          <p:spPr>
+            <a:xfrm>
+              <a:off x="5512524" y="528588"/>
+              <a:ext cx="4683755" cy="316468"/>
+            </a:xfrm>
+            <a:prstGeom prst="flowChartPunchedCard">
+              <a:avLst/>
+            </a:prstGeom>
+            <a:noFill/>
+          </p:spPr>
+          <p:style>
+            <a:lnRef idx="2">
+              <a:schemeClr val="accent1">
+                <a:shade val="50000"/>
+              </a:schemeClr>
+            </a:lnRef>
+            <a:fillRef idx="1">
+              <a:schemeClr val="accent1"/>
+            </a:fillRef>
+            <a:effectRef idx="0">
+              <a:schemeClr val="accent1"/>
+            </a:effectRef>
+            <a:fontRef idx="minor">
+              <a:schemeClr val="lt1"/>
+            </a:fontRef>
+          </p:style>
+          <p:txBody>
+            <a:bodyPr rtlCol="0" anchor="ctr"/>
+            <a:lstStyle/>
+            <a:p>
+              <a:pPr algn="ctr"/>
+              <a:endParaRPr lang="en-US"/>
+            </a:p>
+          </p:txBody>
+        </p:sp>
+        <p:sp>
+          <p:nvSpPr>
+            <p:cNvPr id="8" name="TextBox 7"/>
+            <p:cNvSpPr txBox="1"/>
+            <p:nvPr/>
+          </p:nvSpPr>
+          <p:spPr>
+            <a:xfrm>
+              <a:off x="5614384" y="463680"/>
+              <a:ext cx="4581895" cy="381376"/>
+            </a:xfrm>
+            <a:prstGeom prst="rect">
+              <a:avLst/>
+            </a:prstGeom>
+            <a:noFill/>
+          </p:spPr>
+          <p:txBody>
+            <a:bodyPr wrap="square" rtlCol="0">
+              <a:spAutoFit/>
+            </a:bodyPr>
+            <a:lstStyle/>
+            <a:p>
+              <a:r>
+                <a:rPr lang="en-US" dirty="0"/>
+                <a:t>Cycle over transversal velocity        with the step         </a:t>
+              </a:r>
+            </a:p>
+          </p:txBody>
+        </p:sp>
+      </p:grpSp>
+      <p:grpSp>
+        <p:nvGrpSpPr>
+          <p:cNvPr id="10" name="Group 9"/>
+          <p:cNvGrpSpPr/>
+          <p:nvPr/>
+        </p:nvGrpSpPr>
+        <p:grpSpPr>
+          <a:xfrm>
+            <a:off x="5316403" y="906134"/>
+            <a:ext cx="5220143" cy="369332"/>
+            <a:chOff x="5512525" y="458394"/>
+            <a:chExt cx="5220143" cy="369332"/>
+          </a:xfrm>
+        </p:grpSpPr>
+        <p:sp>
+          <p:nvSpPr>
+            <p:cNvPr id="11" name="Flowchart: Card 10"/>
+            <p:cNvSpPr/>
+            <p:nvPr/>
+          </p:nvSpPr>
+          <p:spPr>
+            <a:xfrm>
+              <a:off x="5512525" y="528588"/>
+              <a:ext cx="5220143" cy="294669"/>
+            </a:xfrm>
+            <a:prstGeom prst="flowChartPunchedCard">
+              <a:avLst/>
+            </a:prstGeom>
+            <a:noFill/>
+          </p:spPr>
+          <p:style>
+            <a:lnRef idx="2">
+              <a:schemeClr val="accent1">
+                <a:shade val="50000"/>
+              </a:schemeClr>
+            </a:lnRef>
+            <a:fillRef idx="1">
+              <a:schemeClr val="accent1"/>
+            </a:fillRef>
+            <a:effectRef idx="0">
+              <a:schemeClr val="accent1"/>
+            </a:effectRef>
+            <a:fontRef idx="minor">
+              <a:schemeClr val="lt1"/>
+            </a:fontRef>
+          </p:style>
+          <p:txBody>
+            <a:bodyPr rtlCol="0" anchor="ctr"/>
+            <a:lstStyle/>
+            <a:p>
+              <a:pPr algn="ctr"/>
+              <a:endParaRPr lang="en-US"/>
+            </a:p>
+          </p:txBody>
+        </p:sp>
+        <p:sp>
+          <p:nvSpPr>
+            <p:cNvPr id="12" name="TextBox 11"/>
+            <p:cNvSpPr txBox="1"/>
+            <p:nvPr/>
+          </p:nvSpPr>
+          <p:spPr>
+            <a:xfrm>
+              <a:off x="5905203" y="458394"/>
+              <a:ext cx="4542718" cy="369332"/>
+            </a:xfrm>
+            <a:prstGeom prst="rect">
+              <a:avLst/>
+            </a:prstGeom>
+            <a:noFill/>
+          </p:spPr>
+          <p:txBody>
+            <a:bodyPr wrap="none" rtlCol="0">
+              <a:spAutoFit/>
+            </a:bodyPr>
+            <a:lstStyle/>
+            <a:p>
+              <a:r>
+                <a:rPr lang="en-US" dirty="0"/>
+                <a:t>Cycle over impact parameter      with the step  </a:t>
+              </a:r>
+            </a:p>
+          </p:txBody>
+        </p:sp>
+      </p:grpSp>
+      <p:grpSp>
+        <p:nvGrpSpPr>
+          <p:cNvPr id="13" name="Group 12"/>
+          <p:cNvGrpSpPr/>
+          <p:nvPr/>
+        </p:nvGrpSpPr>
+        <p:grpSpPr>
+          <a:xfrm>
+            <a:off x="5512523" y="1418850"/>
+            <a:ext cx="5207728" cy="369332"/>
+            <a:chOff x="5512525" y="491989"/>
+            <a:chExt cx="5207728" cy="369332"/>
+          </a:xfrm>
+        </p:grpSpPr>
+        <p:sp>
+          <p:nvSpPr>
+            <p:cNvPr id="14" name="Flowchart: Card 13"/>
+            <p:cNvSpPr/>
+            <p:nvPr/>
+          </p:nvSpPr>
+          <p:spPr>
+            <a:xfrm>
+              <a:off x="5512525" y="528588"/>
+              <a:ext cx="5207728" cy="296135"/>
+            </a:xfrm>
+            <a:prstGeom prst="flowChartPunchedCard">
+              <a:avLst/>
+            </a:prstGeom>
+            <a:noFill/>
+          </p:spPr>
+          <p:style>
+            <a:lnRef idx="2">
+              <a:schemeClr val="accent1">
+                <a:shade val="50000"/>
+              </a:schemeClr>
+            </a:lnRef>
+            <a:fillRef idx="1">
+              <a:schemeClr val="accent1"/>
+            </a:fillRef>
+            <a:effectRef idx="0">
+              <a:schemeClr val="accent1"/>
+            </a:effectRef>
+            <a:fontRef idx="minor">
+              <a:schemeClr val="lt1"/>
+            </a:fontRef>
+          </p:style>
+          <p:txBody>
+            <a:bodyPr rtlCol="0" anchor="ctr"/>
+            <a:lstStyle/>
+            <a:p>
+              <a:pPr algn="ctr"/>
+              <a:endParaRPr lang="en-US"/>
+            </a:p>
+          </p:txBody>
+        </p:sp>
+        <p:sp>
+          <p:nvSpPr>
+            <p:cNvPr id="15" name="TextBox 14"/>
+            <p:cNvSpPr txBox="1"/>
+            <p:nvPr/>
+          </p:nvSpPr>
+          <p:spPr>
+            <a:xfrm>
+              <a:off x="5564694" y="491989"/>
+              <a:ext cx="5069914" cy="369332"/>
+            </a:xfrm>
+            <a:prstGeom prst="rect">
+              <a:avLst/>
+            </a:prstGeom>
+            <a:noFill/>
+          </p:spPr>
+          <p:txBody>
+            <a:bodyPr wrap="none" rtlCol="0">
+              <a:spAutoFit/>
+            </a:bodyPr>
+            <a:lstStyle/>
+            <a:p>
+              <a:r>
+                <a:rPr lang="en-US" dirty="0"/>
+                <a:t>Cycle over longitudinal velocity       with the step       </a:t>
+              </a:r>
+            </a:p>
+          </p:txBody>
+        </p:sp>
+      </p:grpSp>
+      <p:grpSp>
+        <p:nvGrpSpPr>
+          <p:cNvPr id="22" name="Group 21"/>
+          <p:cNvGrpSpPr/>
+          <p:nvPr/>
+        </p:nvGrpSpPr>
+        <p:grpSpPr>
+          <a:xfrm>
+            <a:off x="4789715" y="78377"/>
+            <a:ext cx="5007205" cy="395151"/>
+            <a:chOff x="4789715" y="78377"/>
+            <a:chExt cx="5007205" cy="395151"/>
+          </a:xfrm>
+        </p:grpSpPr>
+        <p:sp>
+          <p:nvSpPr>
+            <p:cNvPr id="6" name="TextBox 5"/>
+            <p:cNvSpPr txBox="1"/>
+            <p:nvPr/>
+          </p:nvSpPr>
+          <p:spPr>
+            <a:xfrm>
+              <a:off x="4789715" y="78377"/>
+              <a:ext cx="5007205" cy="369332"/>
+            </a:xfrm>
+            <a:prstGeom prst="rect">
+              <a:avLst/>
+            </a:prstGeom>
+            <a:noFill/>
+            <a:ln>
+              <a:solidFill>
+                <a:schemeClr val="tx1"/>
+              </a:solidFill>
+            </a:ln>
+          </p:spPr>
+          <p:txBody>
+            <a:bodyPr wrap="none" rtlCol="0">
+              <a:spAutoFit/>
+            </a:bodyPr>
+            <a:lstStyle/>
+            <a:p>
+              <a:r>
+                <a:rPr lang="en-US" dirty="0"/>
+                <a:t>For each ion with velocity         cycles over electrons</a:t>
+              </a:r>
+            </a:p>
+          </p:txBody>
+        </p:sp>
+        <p:graphicFrame>
+          <p:nvGraphicFramePr>
+            <p:cNvPr id="21" name="Object 20"/>
+            <p:cNvGraphicFramePr>
+              <a:graphicFrameLocks noChangeAspect="1"/>
+            </p:cNvGraphicFramePr>
+            <p:nvPr>
+              <p:extLst>
+                <p:ext uri="{D42A27DB-BD31-4B8C-83A1-F6EECF244321}">
+                  <p14:modId xmlns:p14="http://schemas.microsoft.com/office/powerpoint/2010/main" val="4182945359"/>
+                </p:ext>
+              </p:extLst>
+            </p:nvPr>
+          </p:nvGraphicFramePr>
+          <p:xfrm>
+            <a:off x="7424057" y="78377"/>
+            <a:ext cx="263434" cy="395151"/>
+          </p:xfrm>
+          <a:graphic>
+            <a:graphicData uri="http://schemas.openxmlformats.org/presentationml/2006/ole">
+              <mc:AlternateContent xmlns:mc="http://schemas.openxmlformats.org/markup-compatibility/2006">
+                <mc:Choice xmlns:v="urn:schemas-microsoft-com:vml" Requires="v">
+                  <p:oleObj spid="_x0000_s2211" name="Equation" r:id="rId3" imgW="152280" imgH="228600" progId="Equation.DSMT4">
+                    <p:embed/>
+                  </p:oleObj>
+                </mc:Choice>
+                <mc:Fallback>
+                  <p:oleObj name="Equation" r:id="rId3" imgW="152280" imgH="228600" progId="Equation.DSMT4">
+                    <p:embed/>
+                    <p:pic>
+                      <p:nvPicPr>
+                        <p:cNvPr id="0" name=""/>
+                        <p:cNvPicPr/>
+                        <p:nvPr/>
+                      </p:nvPicPr>
+                      <p:blipFill>
+                        <a:blip r:embed="rId4"/>
+                        <a:stretch>
+                          <a:fillRect/>
+                        </a:stretch>
+                      </p:blipFill>
+                      <p:spPr>
+                        <a:xfrm>
+                          <a:off x="7424057" y="78377"/>
+                          <a:ext cx="263434" cy="395151"/>
+                        </a:xfrm>
+                        <a:prstGeom prst="rect">
+                          <a:avLst/>
+                        </a:prstGeom>
+                      </p:spPr>
+                    </p:pic>
+                  </p:oleObj>
+                </mc:Fallback>
+              </mc:AlternateContent>
+            </a:graphicData>
+          </a:graphic>
+        </p:graphicFrame>
+      </p:grpSp>
+      <p:grpSp>
+        <p:nvGrpSpPr>
+          <p:cNvPr id="25" name="Group 24"/>
+          <p:cNvGrpSpPr/>
+          <p:nvPr/>
+        </p:nvGrpSpPr>
+        <p:grpSpPr>
+          <a:xfrm>
+            <a:off x="5725926" y="1856796"/>
+            <a:ext cx="4102718" cy="369332"/>
+            <a:chOff x="5512523" y="1946923"/>
+            <a:chExt cx="3613932" cy="369332"/>
+          </a:xfrm>
+        </p:grpSpPr>
+        <p:sp>
+          <p:nvSpPr>
+            <p:cNvPr id="17" name="Flowchart: Card 16"/>
+            <p:cNvSpPr/>
+            <p:nvPr/>
+          </p:nvSpPr>
+          <p:spPr>
+            <a:xfrm>
+              <a:off x="5512523" y="1983522"/>
+              <a:ext cx="3613932" cy="296135"/>
+            </a:xfrm>
+            <a:prstGeom prst="flowChartPunchedCard">
+              <a:avLst/>
+            </a:prstGeom>
+            <a:noFill/>
+          </p:spPr>
+          <p:style>
+            <a:lnRef idx="2">
+              <a:schemeClr val="accent1">
+                <a:shade val="50000"/>
+              </a:schemeClr>
+            </a:lnRef>
+            <a:fillRef idx="1">
+              <a:schemeClr val="accent1"/>
+            </a:fillRef>
+            <a:effectRef idx="0">
+              <a:schemeClr val="accent1"/>
+            </a:effectRef>
+            <a:fontRef idx="minor">
+              <a:schemeClr val="lt1"/>
+            </a:fontRef>
+          </p:style>
+          <p:txBody>
+            <a:bodyPr rtlCol="0" anchor="ctr"/>
+            <a:lstStyle/>
+            <a:p>
+              <a:pPr algn="ctr"/>
+              <a:endParaRPr lang="en-US"/>
+            </a:p>
+          </p:txBody>
+        </p:sp>
+        <p:grpSp>
+          <p:nvGrpSpPr>
+            <p:cNvPr id="24" name="Group 23"/>
+            <p:cNvGrpSpPr/>
+            <p:nvPr/>
+          </p:nvGrpSpPr>
+          <p:grpSpPr>
+            <a:xfrm>
+              <a:off x="5830623" y="1946923"/>
+              <a:ext cx="3136782" cy="369332"/>
+              <a:chOff x="5751445" y="1943813"/>
+              <a:chExt cx="3136782" cy="369332"/>
+            </a:xfrm>
+          </p:grpSpPr>
+          <p:sp>
+            <p:nvSpPr>
+              <p:cNvPr id="18" name="TextBox 17"/>
+              <p:cNvSpPr txBox="1"/>
+              <p:nvPr/>
+            </p:nvSpPr>
+            <p:spPr>
+              <a:xfrm>
+                <a:off x="5751445" y="1943813"/>
+                <a:ext cx="2803098" cy="369332"/>
+              </a:xfrm>
+              <a:prstGeom prst="rect">
+                <a:avLst/>
+              </a:prstGeom>
+              <a:noFill/>
+            </p:spPr>
+            <p:txBody>
+              <a:bodyPr wrap="none" rtlCol="0">
+                <a:spAutoFit/>
+              </a:bodyPr>
+              <a:lstStyle/>
+              <a:p>
+                <a:r>
+                  <a:rPr lang="en-US" dirty="0"/>
+                  <a:t>Cycle over time      with the step</a:t>
+                </a:r>
+              </a:p>
+            </p:txBody>
+          </p:sp>
+          <p:graphicFrame>
+            <p:nvGraphicFramePr>
+              <p:cNvPr id="23" name="Object 22"/>
+              <p:cNvGraphicFramePr>
+                <a:graphicFrameLocks noChangeAspect="1"/>
+              </p:cNvGraphicFramePr>
+              <p:nvPr>
+                <p:extLst>
+                  <p:ext uri="{D42A27DB-BD31-4B8C-83A1-F6EECF244321}">
+                    <p14:modId xmlns:p14="http://schemas.microsoft.com/office/powerpoint/2010/main" val="3089817487"/>
+                  </p:ext>
+                </p:extLst>
+              </p:nvPr>
+            </p:nvGraphicFramePr>
+            <p:xfrm>
+              <a:off x="8472302" y="1977902"/>
+              <a:ext cx="415925" cy="285750"/>
+            </p:xfrm>
+            <a:graphic>
+              <a:graphicData uri="http://schemas.openxmlformats.org/presentationml/2006/ole">
+                <mc:AlternateContent xmlns:mc="http://schemas.openxmlformats.org/markup-compatibility/2006">
+                  <mc:Choice xmlns:v="urn:schemas-microsoft-com:vml" Requires="v">
+                    <p:oleObj spid="_x0000_s2212" name="Equation" r:id="rId5" imgW="241200" imgH="164880" progId="Equation.DSMT4">
+                      <p:embed/>
+                    </p:oleObj>
+                  </mc:Choice>
+                  <mc:Fallback>
+                    <p:oleObj name="Equation" r:id="rId5" imgW="241200" imgH="164880" progId="Equation.DSMT4">
+                      <p:embed/>
+                      <p:pic>
+                        <p:nvPicPr>
+                          <p:cNvPr id="21" name="Object 20"/>
+                          <p:cNvPicPr/>
+                          <p:nvPr/>
+                        </p:nvPicPr>
+                        <p:blipFill>
+                          <a:blip r:embed="rId6"/>
+                          <a:stretch>
+                            <a:fillRect/>
+                          </a:stretch>
+                        </p:blipFill>
+                        <p:spPr>
+                          <a:xfrm>
+                            <a:off x="8472302" y="1977902"/>
+                            <a:ext cx="415925" cy="285750"/>
+                          </a:xfrm>
+                          <a:prstGeom prst="rect">
+                            <a:avLst/>
+                          </a:prstGeom>
+                        </p:spPr>
+                      </p:pic>
+                    </p:oleObj>
+                  </mc:Fallback>
+                </mc:AlternateContent>
+              </a:graphicData>
+            </a:graphic>
+          </p:graphicFrame>
+        </p:grpSp>
+      </p:grpSp>
+      <p:grpSp>
+        <p:nvGrpSpPr>
+          <p:cNvPr id="38" name="Group 37"/>
+          <p:cNvGrpSpPr/>
+          <p:nvPr/>
+        </p:nvGrpSpPr>
+        <p:grpSpPr>
+          <a:xfrm>
+            <a:off x="6013878" y="2267378"/>
+            <a:ext cx="5740146" cy="2105517"/>
+            <a:chOff x="4495800" y="2599904"/>
+            <a:chExt cx="6119587" cy="2105517"/>
+          </a:xfrm>
+        </p:grpSpPr>
+        <p:sp>
+          <p:nvSpPr>
+            <p:cNvPr id="19" name="Flowchart: Process 18"/>
+            <p:cNvSpPr/>
+            <p:nvPr/>
+          </p:nvSpPr>
+          <p:spPr>
+            <a:xfrm>
+              <a:off x="4530638" y="2599904"/>
+              <a:ext cx="5731947" cy="2104934"/>
+            </a:xfrm>
+            <a:prstGeom prst="flowChartProcess">
+              <a:avLst/>
+            </a:prstGeom>
+            <a:noFill/>
+          </p:spPr>
+          <p:style>
+            <a:lnRef idx="2">
+              <a:schemeClr val="accent1">
+                <a:shade val="50000"/>
+              </a:schemeClr>
+            </a:lnRef>
+            <a:fillRef idx="1">
+              <a:schemeClr val="accent1"/>
+            </a:fillRef>
+            <a:effectRef idx="0">
+              <a:schemeClr val="accent1"/>
+            </a:effectRef>
+            <a:fontRef idx="minor">
+              <a:schemeClr val="lt1"/>
+            </a:fontRef>
+          </p:style>
+          <p:txBody>
+            <a:bodyPr rtlCol="0" anchor="ctr"/>
+            <a:lstStyle/>
+            <a:p>
+              <a:pPr algn="ctr"/>
+              <a:endParaRPr lang="en-US"/>
+            </a:p>
+          </p:txBody>
+        </p:sp>
+        <p:grpSp>
+          <p:nvGrpSpPr>
+            <p:cNvPr id="37" name="Group 36"/>
+            <p:cNvGrpSpPr/>
+            <p:nvPr/>
+          </p:nvGrpSpPr>
+          <p:grpSpPr>
+            <a:xfrm>
+              <a:off x="4495800" y="2658706"/>
+              <a:ext cx="6119587" cy="2046715"/>
+              <a:chOff x="4938799" y="2862893"/>
+              <a:chExt cx="6119587" cy="2046715"/>
+            </a:xfrm>
+          </p:grpSpPr>
+          <p:sp>
+            <p:nvSpPr>
+              <p:cNvPr id="26" name="TextBox 25"/>
+              <p:cNvSpPr txBox="1"/>
+              <p:nvPr/>
+            </p:nvSpPr>
+            <p:spPr>
+              <a:xfrm>
+                <a:off x="4938799" y="2862893"/>
+                <a:ext cx="6119587" cy="2031325"/>
+              </a:xfrm>
+              <a:prstGeom prst="rect">
+                <a:avLst/>
+              </a:prstGeom>
+              <a:noFill/>
+            </p:spPr>
+            <p:txBody>
+              <a:bodyPr wrap="square" rtlCol="0">
+                <a:spAutoFit/>
+              </a:bodyPr>
+              <a:lstStyle/>
+              <a:p>
+                <a:r>
+                  <a:rPr lang="en-US" dirty="0"/>
+                  <a:t>“Pull” electron with step               in the magnetic field;</a:t>
+                </a:r>
+              </a:p>
+              <a:p>
+                <a:r>
+                  <a:rPr lang="en-US" dirty="0"/>
+                  <a:t>“Pull” ion with step               in the drift gap;</a:t>
+                </a:r>
+              </a:p>
+              <a:p>
+                <a:r>
+                  <a:rPr lang="en-US" dirty="0"/>
+                  <a:t>“Pull” electron with step          in the interaction area;</a:t>
+                </a:r>
+              </a:p>
+              <a:p>
+                <a:r>
+                  <a:rPr lang="en-US" dirty="0"/>
+                  <a:t>“Pull” ion with step          in the interaction area;</a:t>
+                </a:r>
+              </a:p>
+              <a:p>
+                <a:r>
+                  <a:rPr lang="en-US" dirty="0"/>
+                  <a:t>“Pull” electron with step               in the magnetic field;</a:t>
+                </a:r>
+              </a:p>
+              <a:p>
+                <a:r>
+                  <a:rPr lang="en-US" dirty="0"/>
+                  <a:t>“Pull” ion with step               in the drift gap;</a:t>
+                </a:r>
+              </a:p>
+              <a:p>
+                <a:r>
+                  <a:rPr lang="en-US" dirty="0"/>
+                  <a:t>Change in the ion momentum          for this step over     ;</a:t>
+                </a:r>
+              </a:p>
+            </p:txBody>
+          </p:sp>
+          <p:grpSp>
+            <p:nvGrpSpPr>
+              <p:cNvPr id="36" name="Group 35"/>
+              <p:cNvGrpSpPr/>
+              <p:nvPr/>
+            </p:nvGrpSpPr>
+            <p:grpSpPr>
+              <a:xfrm>
+                <a:off x="6955168" y="2894267"/>
+                <a:ext cx="3530075" cy="2015341"/>
+                <a:chOff x="6955168" y="2894267"/>
+                <a:chExt cx="3530075" cy="2015341"/>
+              </a:xfrm>
+            </p:grpSpPr>
+            <p:graphicFrame>
+              <p:nvGraphicFramePr>
+                <p:cNvPr id="27" name="Object 26"/>
+                <p:cNvGraphicFramePr>
+                  <a:graphicFrameLocks noChangeAspect="1"/>
+                </p:cNvGraphicFramePr>
+                <p:nvPr>
+                  <p:extLst>
+                    <p:ext uri="{D42A27DB-BD31-4B8C-83A1-F6EECF244321}">
+                      <p14:modId xmlns:p14="http://schemas.microsoft.com/office/powerpoint/2010/main" val="2422858570"/>
+                    </p:ext>
+                  </p:extLst>
+                </p:nvPr>
+              </p:nvGraphicFramePr>
+              <p:xfrm>
+                <a:off x="7501257" y="2894267"/>
+                <a:ext cx="722313" cy="306388"/>
+              </p:xfrm>
+              <a:graphic>
+                <a:graphicData uri="http://schemas.openxmlformats.org/presentationml/2006/ole">
+                  <mc:AlternateContent xmlns:mc="http://schemas.openxmlformats.org/markup-compatibility/2006">
+                    <mc:Choice xmlns:v="urn:schemas-microsoft-com:vml" Requires="v">
+                      <p:oleObj spid="_x0000_s2213" name="Equation" r:id="rId7" imgW="419040" imgH="177480" progId="Equation.DSMT4">
+                        <p:embed/>
+                      </p:oleObj>
+                    </mc:Choice>
+                    <mc:Fallback>
+                      <p:oleObj name="Equation" r:id="rId7" imgW="419040" imgH="177480" progId="Equation.DSMT4">
+                        <p:embed/>
+                        <p:pic>
+                          <p:nvPicPr>
+                            <p:cNvPr id="23" name="Object 22"/>
+                            <p:cNvPicPr/>
+                            <p:nvPr/>
+                          </p:nvPicPr>
+                          <p:blipFill>
+                            <a:blip r:embed="rId8"/>
+                            <a:stretch>
+                              <a:fillRect/>
+                            </a:stretch>
+                          </p:blipFill>
+                          <p:spPr>
+                            <a:xfrm>
+                              <a:off x="7501257" y="2894267"/>
+                              <a:ext cx="722313" cy="306388"/>
+                            </a:xfrm>
+                            <a:prstGeom prst="rect">
+                              <a:avLst/>
+                            </a:prstGeom>
+                          </p:spPr>
+                        </p:pic>
+                      </p:oleObj>
+                    </mc:Fallback>
+                  </mc:AlternateContent>
+                </a:graphicData>
+              </a:graphic>
+            </p:graphicFrame>
+            <p:graphicFrame>
+              <p:nvGraphicFramePr>
+                <p:cNvPr id="28" name="Object 27"/>
+                <p:cNvGraphicFramePr>
+                  <a:graphicFrameLocks noChangeAspect="1"/>
+                </p:cNvGraphicFramePr>
+                <p:nvPr>
+                  <p:extLst>
+                    <p:ext uri="{D42A27DB-BD31-4B8C-83A1-F6EECF244321}">
+                      <p14:modId xmlns:p14="http://schemas.microsoft.com/office/powerpoint/2010/main" val="2604930579"/>
+                    </p:ext>
+                  </p:extLst>
+                </p:nvPr>
+              </p:nvGraphicFramePr>
+              <p:xfrm>
+                <a:off x="6967730" y="3186315"/>
+                <a:ext cx="722312" cy="306388"/>
+              </p:xfrm>
+              <a:graphic>
+                <a:graphicData uri="http://schemas.openxmlformats.org/presentationml/2006/ole">
+                  <mc:AlternateContent xmlns:mc="http://schemas.openxmlformats.org/markup-compatibility/2006">
+                    <mc:Choice xmlns:v="urn:schemas-microsoft-com:vml" Requires="v">
+                      <p:oleObj spid="_x0000_s2214" name="Equation" r:id="rId9" imgW="419040" imgH="177480" progId="Equation.DSMT4">
+                        <p:embed/>
+                      </p:oleObj>
+                    </mc:Choice>
+                    <mc:Fallback>
+                      <p:oleObj name="Equation" r:id="rId9" imgW="419040" imgH="177480" progId="Equation.DSMT4">
+                        <p:embed/>
+                        <p:pic>
+                          <p:nvPicPr>
+                            <p:cNvPr id="27" name="Object 26"/>
+                            <p:cNvPicPr/>
+                            <p:nvPr/>
+                          </p:nvPicPr>
+                          <p:blipFill>
+                            <a:blip r:embed="rId10"/>
+                            <a:stretch>
+                              <a:fillRect/>
+                            </a:stretch>
+                          </p:blipFill>
+                          <p:spPr>
+                            <a:xfrm>
+                              <a:off x="6967730" y="3186315"/>
+                              <a:ext cx="722312" cy="306388"/>
+                            </a:xfrm>
+                            <a:prstGeom prst="rect">
+                              <a:avLst/>
+                            </a:prstGeom>
+                          </p:spPr>
+                        </p:pic>
+                      </p:oleObj>
+                    </mc:Fallback>
+                  </mc:AlternateContent>
+                </a:graphicData>
+              </a:graphic>
+            </p:graphicFrame>
+            <p:graphicFrame>
+              <p:nvGraphicFramePr>
+                <p:cNvPr id="29" name="Object 28"/>
+                <p:cNvGraphicFramePr>
+                  <a:graphicFrameLocks noChangeAspect="1"/>
+                </p:cNvGraphicFramePr>
+                <p:nvPr>
+                  <p:extLst>
+                    <p:ext uri="{D42A27DB-BD31-4B8C-83A1-F6EECF244321}">
+                      <p14:modId xmlns:p14="http://schemas.microsoft.com/office/powerpoint/2010/main" val="3239258114"/>
+                    </p:ext>
+                  </p:extLst>
+                </p:nvPr>
+              </p:nvGraphicFramePr>
+              <p:xfrm>
+                <a:off x="7496393" y="3460513"/>
+                <a:ext cx="415925" cy="284162"/>
+              </p:xfrm>
+              <a:graphic>
+                <a:graphicData uri="http://schemas.openxmlformats.org/presentationml/2006/ole">
+                  <mc:AlternateContent xmlns:mc="http://schemas.openxmlformats.org/markup-compatibility/2006">
+                    <mc:Choice xmlns:v="urn:schemas-microsoft-com:vml" Requires="v">
+                      <p:oleObj spid="_x0000_s2215" name="Equation" r:id="rId11" imgW="241200" imgH="164880" progId="Equation.DSMT4">
+                        <p:embed/>
+                      </p:oleObj>
+                    </mc:Choice>
+                    <mc:Fallback>
+                      <p:oleObj name="Equation" r:id="rId11" imgW="241200" imgH="164880" progId="Equation.DSMT4">
+                        <p:embed/>
+                        <p:pic>
+                          <p:nvPicPr>
+                            <p:cNvPr id="27" name="Object 26"/>
+                            <p:cNvPicPr/>
+                            <p:nvPr/>
+                          </p:nvPicPr>
+                          <p:blipFill>
+                            <a:blip r:embed="rId12"/>
+                            <a:stretch>
+                              <a:fillRect/>
+                            </a:stretch>
+                          </p:blipFill>
+                          <p:spPr>
+                            <a:xfrm>
+                              <a:off x="7496393" y="3460513"/>
+                              <a:ext cx="415925" cy="284162"/>
+                            </a:xfrm>
+                            <a:prstGeom prst="rect">
+                              <a:avLst/>
+                            </a:prstGeom>
+                          </p:spPr>
+                        </p:pic>
+                      </p:oleObj>
+                    </mc:Fallback>
+                  </mc:AlternateContent>
+                </a:graphicData>
+              </a:graphic>
+            </p:graphicFrame>
+            <p:graphicFrame>
+              <p:nvGraphicFramePr>
+                <p:cNvPr id="30" name="Object 29"/>
+                <p:cNvGraphicFramePr>
+                  <a:graphicFrameLocks noChangeAspect="1"/>
+                </p:cNvGraphicFramePr>
+                <p:nvPr>
+                  <p:extLst>
+                    <p:ext uri="{D42A27DB-BD31-4B8C-83A1-F6EECF244321}">
+                      <p14:modId xmlns:p14="http://schemas.microsoft.com/office/powerpoint/2010/main" val="2153490349"/>
+                    </p:ext>
+                  </p:extLst>
+                </p:nvPr>
+              </p:nvGraphicFramePr>
+              <p:xfrm>
+                <a:off x="6982581" y="3731360"/>
+                <a:ext cx="415925" cy="284162"/>
+              </p:xfrm>
+              <a:graphic>
+                <a:graphicData uri="http://schemas.openxmlformats.org/presentationml/2006/ole">
+                  <mc:AlternateContent xmlns:mc="http://schemas.openxmlformats.org/markup-compatibility/2006">
+                    <mc:Choice xmlns:v="urn:schemas-microsoft-com:vml" Requires="v">
+                      <p:oleObj spid="_x0000_s2216" name="Equation" r:id="rId13" imgW="241200" imgH="164880" progId="Equation.DSMT4">
+                        <p:embed/>
+                      </p:oleObj>
+                    </mc:Choice>
+                    <mc:Fallback>
+                      <p:oleObj name="Equation" r:id="rId13" imgW="241200" imgH="164880" progId="Equation.DSMT4">
+                        <p:embed/>
+                        <p:pic>
+                          <p:nvPicPr>
+                            <p:cNvPr id="29" name="Object 28"/>
+                            <p:cNvPicPr/>
+                            <p:nvPr/>
+                          </p:nvPicPr>
+                          <p:blipFill>
+                            <a:blip r:embed="rId14"/>
+                            <a:stretch>
+                              <a:fillRect/>
+                            </a:stretch>
+                          </p:blipFill>
+                          <p:spPr>
+                            <a:xfrm>
+                              <a:off x="6982581" y="3731360"/>
+                              <a:ext cx="415925" cy="284162"/>
+                            </a:xfrm>
+                            <a:prstGeom prst="rect">
+                              <a:avLst/>
+                            </a:prstGeom>
+                          </p:spPr>
+                        </p:pic>
+                      </p:oleObj>
+                    </mc:Fallback>
+                  </mc:AlternateContent>
+                </a:graphicData>
+              </a:graphic>
+            </p:graphicFrame>
+            <p:graphicFrame>
+              <p:nvGraphicFramePr>
+                <p:cNvPr id="32" name="Object 31"/>
+                <p:cNvGraphicFramePr>
+                  <a:graphicFrameLocks noChangeAspect="1"/>
+                </p:cNvGraphicFramePr>
+                <p:nvPr>
+                  <p:extLst>
+                    <p:ext uri="{D42A27DB-BD31-4B8C-83A1-F6EECF244321}">
+                      <p14:modId xmlns:p14="http://schemas.microsoft.com/office/powerpoint/2010/main" val="1901542894"/>
+                    </p:ext>
+                  </p:extLst>
+                </p:nvPr>
+              </p:nvGraphicFramePr>
+              <p:xfrm>
+                <a:off x="7473096" y="3992051"/>
+                <a:ext cx="722312" cy="306388"/>
+              </p:xfrm>
+              <a:graphic>
+                <a:graphicData uri="http://schemas.openxmlformats.org/presentationml/2006/ole">
+                  <mc:AlternateContent xmlns:mc="http://schemas.openxmlformats.org/markup-compatibility/2006">
+                    <mc:Choice xmlns:v="urn:schemas-microsoft-com:vml" Requires="v">
+                      <p:oleObj spid="_x0000_s2217" name="Equation" r:id="rId15" imgW="419040" imgH="177480" progId="Equation.DSMT4">
+                        <p:embed/>
+                      </p:oleObj>
+                    </mc:Choice>
+                    <mc:Fallback>
+                      <p:oleObj name="Equation" r:id="rId15" imgW="419040" imgH="177480" progId="Equation.DSMT4">
+                        <p:embed/>
+                        <p:pic>
+                          <p:nvPicPr>
+                            <p:cNvPr id="27" name="Object 26"/>
+                            <p:cNvPicPr/>
+                            <p:nvPr/>
+                          </p:nvPicPr>
+                          <p:blipFill>
+                            <a:blip r:embed="rId16"/>
+                            <a:stretch>
+                              <a:fillRect/>
+                            </a:stretch>
+                          </p:blipFill>
+                          <p:spPr>
+                            <a:xfrm>
+                              <a:off x="7473096" y="3992051"/>
+                              <a:ext cx="722312" cy="306388"/>
+                            </a:xfrm>
+                            <a:prstGeom prst="rect">
+                              <a:avLst/>
+                            </a:prstGeom>
+                          </p:spPr>
+                        </p:pic>
+                      </p:oleObj>
+                    </mc:Fallback>
+                  </mc:AlternateContent>
+                </a:graphicData>
+              </a:graphic>
+            </p:graphicFrame>
+            <p:graphicFrame>
+              <p:nvGraphicFramePr>
+                <p:cNvPr id="33" name="Object 32"/>
+                <p:cNvGraphicFramePr>
+                  <a:graphicFrameLocks noChangeAspect="1"/>
+                </p:cNvGraphicFramePr>
+                <p:nvPr>
+                  <p:extLst>
+                    <p:ext uri="{D42A27DB-BD31-4B8C-83A1-F6EECF244321}">
+                      <p14:modId xmlns:p14="http://schemas.microsoft.com/office/powerpoint/2010/main" val="4199357358"/>
+                    </p:ext>
+                  </p:extLst>
+                </p:nvPr>
+              </p:nvGraphicFramePr>
+              <p:xfrm>
+                <a:off x="6955168" y="4262620"/>
+                <a:ext cx="722312" cy="306388"/>
+              </p:xfrm>
+              <a:graphic>
+                <a:graphicData uri="http://schemas.openxmlformats.org/presentationml/2006/ole">
+                  <mc:AlternateContent xmlns:mc="http://schemas.openxmlformats.org/markup-compatibility/2006">
+                    <mc:Choice xmlns:v="urn:schemas-microsoft-com:vml" Requires="v">
+                      <p:oleObj spid="_x0000_s2218" name="Equation" r:id="rId17" imgW="419040" imgH="177480" progId="Equation.DSMT4">
+                        <p:embed/>
+                      </p:oleObj>
+                    </mc:Choice>
+                    <mc:Fallback>
+                      <p:oleObj name="Equation" r:id="rId17" imgW="419040" imgH="177480" progId="Equation.DSMT4">
+                        <p:embed/>
+                        <p:pic>
+                          <p:nvPicPr>
+                            <p:cNvPr id="27" name="Object 26"/>
+                            <p:cNvPicPr/>
+                            <p:nvPr/>
+                          </p:nvPicPr>
+                          <p:blipFill>
+                            <a:blip r:embed="rId16"/>
+                            <a:stretch>
+                              <a:fillRect/>
+                            </a:stretch>
+                          </p:blipFill>
+                          <p:spPr>
+                            <a:xfrm>
+                              <a:off x="6955168" y="4262620"/>
+                              <a:ext cx="722312" cy="306388"/>
+                            </a:xfrm>
+                            <a:prstGeom prst="rect">
+                              <a:avLst/>
+                            </a:prstGeom>
+                          </p:spPr>
+                        </p:pic>
+                      </p:oleObj>
+                    </mc:Fallback>
+                  </mc:AlternateContent>
+                </a:graphicData>
+              </a:graphic>
+            </p:graphicFrame>
+            <p:graphicFrame>
+              <p:nvGraphicFramePr>
+                <p:cNvPr id="34" name="Object 33"/>
+                <p:cNvGraphicFramePr>
+                  <a:graphicFrameLocks noChangeAspect="1"/>
+                </p:cNvGraphicFramePr>
+                <p:nvPr>
+                  <p:extLst>
+                    <p:ext uri="{D42A27DB-BD31-4B8C-83A1-F6EECF244321}">
+                      <p14:modId xmlns:p14="http://schemas.microsoft.com/office/powerpoint/2010/main" val="3944870294"/>
+                    </p:ext>
+                  </p:extLst>
+                </p:nvPr>
+              </p:nvGraphicFramePr>
+              <p:xfrm>
+                <a:off x="10244917" y="4523878"/>
+                <a:ext cx="240326" cy="284163"/>
+              </p:xfrm>
+              <a:graphic>
+                <a:graphicData uri="http://schemas.openxmlformats.org/presentationml/2006/ole">
+                  <mc:AlternateContent xmlns:mc="http://schemas.openxmlformats.org/markup-compatibility/2006">
+                    <mc:Choice xmlns:v="urn:schemas-microsoft-com:vml" Requires="v">
+                      <p:oleObj spid="_x0000_s2219" name="Equation" r:id="rId18" imgW="139680" imgH="164880" progId="Equation.DSMT4">
+                        <p:embed/>
+                      </p:oleObj>
+                    </mc:Choice>
+                    <mc:Fallback>
+                      <p:oleObj name="Equation" r:id="rId18" imgW="139680" imgH="164880" progId="Equation.DSMT4">
+                        <p:embed/>
+                        <p:pic>
+                          <p:nvPicPr>
+                            <p:cNvPr id="30" name="Object 29"/>
+                            <p:cNvPicPr/>
+                            <p:nvPr/>
+                          </p:nvPicPr>
+                          <p:blipFill>
+                            <a:blip r:embed="rId19"/>
+                            <a:stretch>
+                              <a:fillRect/>
+                            </a:stretch>
+                          </p:blipFill>
+                          <p:spPr>
+                            <a:xfrm>
+                              <a:off x="10244917" y="4523878"/>
+                              <a:ext cx="240326" cy="284163"/>
+                            </a:xfrm>
+                            <a:prstGeom prst="rect">
+                              <a:avLst/>
+                            </a:prstGeom>
+                          </p:spPr>
+                        </p:pic>
+                      </p:oleObj>
+                    </mc:Fallback>
+                  </mc:AlternateContent>
+                </a:graphicData>
+              </a:graphic>
+            </p:graphicFrame>
+            <p:graphicFrame>
+              <p:nvGraphicFramePr>
+                <p:cNvPr id="35" name="Object 34"/>
+                <p:cNvGraphicFramePr>
+                  <a:graphicFrameLocks noChangeAspect="1"/>
+                </p:cNvGraphicFramePr>
+                <p:nvPr>
+                  <p:extLst>
+                    <p:ext uri="{D42A27DB-BD31-4B8C-83A1-F6EECF244321}">
+                      <p14:modId xmlns:p14="http://schemas.microsoft.com/office/powerpoint/2010/main" val="80276971"/>
+                    </p:ext>
+                  </p:extLst>
+                </p:nvPr>
+              </p:nvGraphicFramePr>
+              <p:xfrm>
+                <a:off x="8015608" y="4515908"/>
+                <a:ext cx="415925" cy="393700"/>
+              </p:xfrm>
+              <a:graphic>
+                <a:graphicData uri="http://schemas.openxmlformats.org/presentationml/2006/ole">
+                  <mc:AlternateContent xmlns:mc="http://schemas.openxmlformats.org/markup-compatibility/2006">
+                    <mc:Choice xmlns:v="urn:schemas-microsoft-com:vml" Requires="v">
+                      <p:oleObj spid="_x0000_s2220" name="Equation" r:id="rId20" imgW="241200" imgH="228600" progId="Equation.DSMT4">
+                        <p:embed/>
+                      </p:oleObj>
+                    </mc:Choice>
+                    <mc:Fallback>
+                      <p:oleObj name="Equation" r:id="rId20" imgW="241200" imgH="228600" progId="Equation.DSMT4">
+                        <p:embed/>
+                        <p:pic>
+                          <p:nvPicPr>
+                            <p:cNvPr id="30" name="Object 29"/>
+                            <p:cNvPicPr/>
+                            <p:nvPr/>
+                          </p:nvPicPr>
+                          <p:blipFill>
+                            <a:blip r:embed="rId21"/>
+                            <a:stretch>
+                              <a:fillRect/>
+                            </a:stretch>
+                          </p:blipFill>
+                          <p:spPr>
+                            <a:xfrm>
+                              <a:off x="8015608" y="4515908"/>
+                              <a:ext cx="415925" cy="393700"/>
+                            </a:xfrm>
+                            <a:prstGeom prst="rect">
+                              <a:avLst/>
+                            </a:prstGeom>
+                          </p:spPr>
+                        </p:pic>
+                      </p:oleObj>
+                    </mc:Fallback>
+                  </mc:AlternateContent>
+                </a:graphicData>
+              </a:graphic>
+            </p:graphicFrame>
+          </p:grpSp>
+        </p:grpSp>
+      </p:grpSp>
+      <p:graphicFrame>
+        <p:nvGraphicFramePr>
+          <p:cNvPr id="41" name="Object 40"/>
+          <p:cNvGraphicFramePr>
+            <a:graphicFrameLocks noChangeAspect="1"/>
+          </p:cNvGraphicFramePr>
+          <p:nvPr>
+            <p:extLst>
+              <p:ext uri="{D42A27DB-BD31-4B8C-83A1-F6EECF244321}">
+                <p14:modId xmlns:p14="http://schemas.microsoft.com/office/powerpoint/2010/main" val="2206564846"/>
+              </p:ext>
+            </p:extLst>
+          </p:nvPr>
+        </p:nvGraphicFramePr>
+        <p:xfrm>
+          <a:off x="8492690" y="959917"/>
+          <a:ext cx="263525" cy="284163"/>
+        </p:xfrm>
+        <a:graphic>
+          <a:graphicData uri="http://schemas.openxmlformats.org/presentationml/2006/ole">
+            <mc:AlternateContent xmlns:mc="http://schemas.openxmlformats.org/markup-compatibility/2006">
+              <mc:Choice xmlns:v="urn:schemas-microsoft-com:vml" Requires="v">
+                <p:oleObj spid="_x0000_s2221" name="Equation" r:id="rId22" imgW="152280" imgH="164880" progId="Equation.DSMT4">
+                  <p:embed/>
+                </p:oleObj>
+              </mc:Choice>
+              <mc:Fallback>
+                <p:oleObj name="Equation" r:id="rId22" imgW="152280" imgH="164880" progId="Equation.DSMT4">
+                  <p:embed/>
+                  <p:pic>
+                    <p:nvPicPr>
+                      <p:cNvPr id="40" name="Object 39"/>
+                      <p:cNvPicPr/>
+                      <p:nvPr/>
+                    </p:nvPicPr>
+                    <p:blipFill>
+                      <a:blip r:embed="rId23"/>
+                      <a:stretch>
+                        <a:fillRect/>
+                      </a:stretch>
+                    </p:blipFill>
+                    <p:spPr>
+                      <a:xfrm>
+                        <a:off x="8492690" y="959917"/>
+                        <a:ext cx="263525" cy="284163"/>
+                      </a:xfrm>
+                      <a:prstGeom prst="rect">
+                        <a:avLst/>
+                      </a:prstGeom>
+                    </p:spPr>
+                  </p:pic>
+                </p:oleObj>
+              </mc:Fallback>
+            </mc:AlternateContent>
+          </a:graphicData>
+        </a:graphic>
+      </p:graphicFrame>
+      <p:graphicFrame>
+        <p:nvGraphicFramePr>
+          <p:cNvPr id="42" name="Object 41"/>
+          <p:cNvGraphicFramePr>
+            <a:graphicFrameLocks noChangeAspect="1"/>
+          </p:cNvGraphicFramePr>
+          <p:nvPr>
+            <p:extLst>
+              <p:ext uri="{D42A27DB-BD31-4B8C-83A1-F6EECF244321}">
+                <p14:modId xmlns:p14="http://schemas.microsoft.com/office/powerpoint/2010/main" val="983344929"/>
+              </p:ext>
+            </p:extLst>
+          </p:nvPr>
+        </p:nvGraphicFramePr>
+        <p:xfrm>
+          <a:off x="8116029" y="490876"/>
+          <a:ext cx="306387" cy="393700"/>
+        </p:xfrm>
+        <a:graphic>
+          <a:graphicData uri="http://schemas.openxmlformats.org/presentationml/2006/ole">
+            <mc:AlternateContent xmlns:mc="http://schemas.openxmlformats.org/markup-compatibility/2006">
+              <mc:Choice xmlns:v="urn:schemas-microsoft-com:vml" Requires="v">
+                <p:oleObj spid="_x0000_s2222" name="Equation" r:id="rId24" imgW="177480" imgH="228600" progId="Equation.DSMT4">
+                  <p:embed/>
+                </p:oleObj>
+              </mc:Choice>
+              <mc:Fallback>
+                <p:oleObj name="Equation" r:id="rId24" imgW="177480" imgH="228600" progId="Equation.DSMT4">
+                  <p:embed/>
+                  <p:pic>
+                    <p:nvPicPr>
+                      <p:cNvPr id="40" name="Object 39"/>
+                      <p:cNvPicPr/>
+                      <p:nvPr/>
+                    </p:nvPicPr>
+                    <p:blipFill>
+                      <a:blip r:embed="rId25"/>
+                      <a:stretch>
+                        <a:fillRect/>
+                      </a:stretch>
+                    </p:blipFill>
+                    <p:spPr>
+                      <a:xfrm>
+                        <a:off x="8116029" y="490876"/>
+                        <a:ext cx="306387" cy="393700"/>
+                      </a:xfrm>
+                      <a:prstGeom prst="rect">
+                        <a:avLst/>
+                      </a:prstGeom>
+                    </p:spPr>
+                  </p:pic>
+                </p:oleObj>
+              </mc:Fallback>
+            </mc:AlternateContent>
+          </a:graphicData>
+        </a:graphic>
+      </p:graphicFrame>
+      <p:grpSp>
+        <p:nvGrpSpPr>
+          <p:cNvPr id="45" name="Group 44"/>
+          <p:cNvGrpSpPr/>
+          <p:nvPr/>
+        </p:nvGrpSpPr>
+        <p:grpSpPr>
+          <a:xfrm>
+            <a:off x="5709081" y="4587605"/>
+            <a:ext cx="5874109" cy="427526"/>
+            <a:chOff x="5433134" y="5349929"/>
+            <a:chExt cx="5874109" cy="427526"/>
+          </a:xfrm>
+        </p:grpSpPr>
+        <p:sp>
+          <p:nvSpPr>
+            <p:cNvPr id="39" name="TextBox 38"/>
+            <p:cNvSpPr txBox="1"/>
+            <p:nvPr/>
+          </p:nvSpPr>
+          <p:spPr>
+            <a:xfrm>
+              <a:off x="5433134" y="5362113"/>
+              <a:ext cx="5874109" cy="369332"/>
+            </a:xfrm>
+            <a:prstGeom prst="rect">
+              <a:avLst/>
+            </a:prstGeom>
+            <a:noFill/>
+            <a:ln>
+              <a:solidFill>
+                <a:schemeClr val="tx1"/>
+              </a:solidFill>
+            </a:ln>
+          </p:spPr>
+          <p:txBody>
+            <a:bodyPr wrap="none" rtlCol="0">
+              <a:spAutoFit/>
+            </a:bodyPr>
+            <a:lstStyle/>
+            <a:p>
+              <a:r>
+                <a:rPr lang="en-US" dirty="0"/>
+                <a:t>Increment of the ion momentum          for this step over       ;</a:t>
+              </a:r>
+            </a:p>
+          </p:txBody>
+        </p:sp>
+        <p:graphicFrame>
+          <p:nvGraphicFramePr>
+            <p:cNvPr id="43" name="Object 42"/>
+            <p:cNvGraphicFramePr>
+              <a:graphicFrameLocks noChangeAspect="1"/>
+            </p:cNvGraphicFramePr>
+            <p:nvPr>
+              <p:extLst>
+                <p:ext uri="{D42A27DB-BD31-4B8C-83A1-F6EECF244321}">
+                  <p14:modId xmlns:p14="http://schemas.microsoft.com/office/powerpoint/2010/main" val="3945278183"/>
+                </p:ext>
+              </p:extLst>
+            </p:nvPr>
+          </p:nvGraphicFramePr>
+          <p:xfrm>
+            <a:off x="8609109" y="5349929"/>
+            <a:ext cx="415925" cy="393700"/>
+          </p:xfrm>
+          <a:graphic>
+            <a:graphicData uri="http://schemas.openxmlformats.org/presentationml/2006/ole">
+              <mc:AlternateContent xmlns:mc="http://schemas.openxmlformats.org/markup-compatibility/2006">
+                <mc:Choice xmlns:v="urn:schemas-microsoft-com:vml" Requires="v">
+                  <p:oleObj spid="_x0000_s2223" name="Equation" r:id="rId26" imgW="241200" imgH="228600" progId="Equation.DSMT4">
+                    <p:embed/>
+                  </p:oleObj>
+                </mc:Choice>
+                <mc:Fallback>
+                  <p:oleObj name="Equation" r:id="rId26" imgW="241200" imgH="228600" progId="Equation.DSMT4">
+                    <p:embed/>
+                    <p:pic>
+                      <p:nvPicPr>
+                        <p:cNvPr id="40" name="Object 39"/>
+                        <p:cNvPicPr/>
+                        <p:nvPr/>
+                      </p:nvPicPr>
+                      <p:blipFill>
+                        <a:blip r:embed="rId27"/>
+                        <a:stretch>
+                          <a:fillRect/>
+                        </a:stretch>
+                      </p:blipFill>
+                      <p:spPr>
+                        <a:xfrm>
+                          <a:off x="8609109" y="5349929"/>
+                          <a:ext cx="415925" cy="393700"/>
+                        </a:xfrm>
+                        <a:prstGeom prst="rect">
+                          <a:avLst/>
+                        </a:prstGeom>
+                      </p:spPr>
+                    </p:pic>
+                  </p:oleObj>
+                </mc:Fallback>
+              </mc:AlternateContent>
+            </a:graphicData>
+          </a:graphic>
+        </p:graphicFrame>
+        <p:graphicFrame>
+          <p:nvGraphicFramePr>
+            <p:cNvPr id="44" name="Object 43"/>
+            <p:cNvGraphicFramePr>
+              <a:graphicFrameLocks noChangeAspect="1"/>
+            </p:cNvGraphicFramePr>
+            <p:nvPr>
+              <p:extLst>
+                <p:ext uri="{D42A27DB-BD31-4B8C-83A1-F6EECF244321}">
+                  <p14:modId xmlns:p14="http://schemas.microsoft.com/office/powerpoint/2010/main" val="436120840"/>
+                </p:ext>
+              </p:extLst>
+            </p:nvPr>
+          </p:nvGraphicFramePr>
+          <p:xfrm>
+            <a:off x="10761458" y="5361530"/>
+            <a:ext cx="261938" cy="415925"/>
+          </p:xfrm>
+          <a:graphic>
+            <a:graphicData uri="http://schemas.openxmlformats.org/presentationml/2006/ole">
+              <mc:AlternateContent xmlns:mc="http://schemas.openxmlformats.org/markup-compatibility/2006">
+                <mc:Choice xmlns:v="urn:schemas-microsoft-com:vml" Requires="v">
+                  <p:oleObj spid="_x0000_s2224" name="Equation" r:id="rId28" imgW="152280" imgH="241200" progId="Equation.DSMT4">
+                    <p:embed/>
+                  </p:oleObj>
+                </mc:Choice>
+                <mc:Fallback>
+                  <p:oleObj name="Equation" r:id="rId28" imgW="152280" imgH="241200" progId="Equation.DSMT4">
+                    <p:embed/>
+                    <p:pic>
+                      <p:nvPicPr>
+                        <p:cNvPr id="42" name="Object 41"/>
+                        <p:cNvPicPr/>
+                        <p:nvPr/>
+                      </p:nvPicPr>
+                      <p:blipFill>
+                        <a:blip r:embed="rId29"/>
+                        <a:stretch>
+                          <a:fillRect/>
+                        </a:stretch>
+                      </p:blipFill>
+                      <p:spPr>
+                        <a:xfrm>
+                          <a:off x="10761458" y="5361530"/>
+                          <a:ext cx="261938" cy="415925"/>
+                        </a:xfrm>
+                        <a:prstGeom prst="rect">
+                          <a:avLst/>
+                        </a:prstGeom>
+                      </p:spPr>
+                    </p:pic>
+                  </p:oleObj>
+                </mc:Fallback>
+              </mc:AlternateContent>
+            </a:graphicData>
+          </a:graphic>
+        </p:graphicFrame>
+      </p:grpSp>
+      <p:grpSp>
+        <p:nvGrpSpPr>
+          <p:cNvPr id="52" name="Group 51"/>
+          <p:cNvGrpSpPr/>
+          <p:nvPr/>
+        </p:nvGrpSpPr>
+        <p:grpSpPr>
+          <a:xfrm>
+            <a:off x="5212504" y="5204015"/>
+            <a:ext cx="5874109" cy="393700"/>
+            <a:chOff x="5433134" y="5349929"/>
+            <a:chExt cx="5874109" cy="393700"/>
+          </a:xfrm>
+        </p:grpSpPr>
+        <p:sp>
+          <p:nvSpPr>
+            <p:cNvPr id="53" name="TextBox 52"/>
+            <p:cNvSpPr txBox="1"/>
+            <p:nvPr/>
+          </p:nvSpPr>
+          <p:spPr>
+            <a:xfrm>
+              <a:off x="5433134" y="5362113"/>
+              <a:ext cx="5874109" cy="369332"/>
+            </a:xfrm>
+            <a:prstGeom prst="rect">
+              <a:avLst/>
+            </a:prstGeom>
+            <a:noFill/>
+            <a:ln>
+              <a:solidFill>
+                <a:schemeClr val="tx1"/>
+              </a:solidFill>
+            </a:ln>
+          </p:spPr>
+          <p:txBody>
+            <a:bodyPr wrap="none" rtlCol="0">
+              <a:spAutoFit/>
+            </a:bodyPr>
+            <a:lstStyle/>
+            <a:p>
+              <a:r>
+                <a:rPr lang="en-US" dirty="0"/>
+                <a:t>Increment of the ion momentum          for this step over       ;</a:t>
+              </a:r>
+            </a:p>
+          </p:txBody>
+        </p:sp>
+        <p:graphicFrame>
+          <p:nvGraphicFramePr>
+            <p:cNvPr id="54" name="Object 53"/>
+            <p:cNvGraphicFramePr>
+              <a:graphicFrameLocks noChangeAspect="1"/>
+            </p:cNvGraphicFramePr>
+            <p:nvPr>
+              <p:extLst>
+                <p:ext uri="{D42A27DB-BD31-4B8C-83A1-F6EECF244321}">
+                  <p14:modId xmlns:p14="http://schemas.microsoft.com/office/powerpoint/2010/main" val="2252942885"/>
+                </p:ext>
+              </p:extLst>
+            </p:nvPr>
+          </p:nvGraphicFramePr>
+          <p:xfrm>
+            <a:off x="8609109" y="5349929"/>
+            <a:ext cx="415925" cy="393700"/>
+          </p:xfrm>
+          <a:graphic>
+            <a:graphicData uri="http://schemas.openxmlformats.org/presentationml/2006/ole">
+              <mc:AlternateContent xmlns:mc="http://schemas.openxmlformats.org/markup-compatibility/2006">
+                <mc:Choice xmlns:v="urn:schemas-microsoft-com:vml" Requires="v">
+                  <p:oleObj spid="_x0000_s2225" name="Equation" r:id="rId30" imgW="241200" imgH="228600" progId="Equation.DSMT4">
+                    <p:embed/>
+                  </p:oleObj>
+                </mc:Choice>
+                <mc:Fallback>
+                  <p:oleObj name="Equation" r:id="rId30" imgW="241200" imgH="228600" progId="Equation.DSMT4">
+                    <p:embed/>
+                    <p:pic>
+                      <p:nvPicPr>
+                        <p:cNvPr id="43" name="Object 42"/>
+                        <p:cNvPicPr/>
+                        <p:nvPr/>
+                      </p:nvPicPr>
+                      <p:blipFill>
+                        <a:blip r:embed="rId27"/>
+                        <a:stretch>
+                          <a:fillRect/>
+                        </a:stretch>
+                      </p:blipFill>
+                      <p:spPr>
+                        <a:xfrm>
+                          <a:off x="8609109" y="5349929"/>
+                          <a:ext cx="415925" cy="393700"/>
+                        </a:xfrm>
+                        <a:prstGeom prst="rect">
+                          <a:avLst/>
+                        </a:prstGeom>
+                      </p:spPr>
+                    </p:pic>
+                  </p:oleObj>
+                </mc:Fallback>
+              </mc:AlternateContent>
+            </a:graphicData>
+          </a:graphic>
+        </p:graphicFrame>
+        <p:graphicFrame>
+          <p:nvGraphicFramePr>
+            <p:cNvPr id="55" name="Object 54"/>
+            <p:cNvGraphicFramePr>
+              <a:graphicFrameLocks noChangeAspect="1"/>
+            </p:cNvGraphicFramePr>
+            <p:nvPr>
+              <p:extLst>
+                <p:ext uri="{D42A27DB-BD31-4B8C-83A1-F6EECF244321}">
+                  <p14:modId xmlns:p14="http://schemas.microsoft.com/office/powerpoint/2010/main" val="1669236119"/>
+                </p:ext>
+              </p:extLst>
+            </p:nvPr>
+          </p:nvGraphicFramePr>
+          <p:xfrm>
+            <a:off x="10760235" y="5427000"/>
+            <a:ext cx="261938" cy="284162"/>
+          </p:xfrm>
+          <a:graphic>
+            <a:graphicData uri="http://schemas.openxmlformats.org/presentationml/2006/ole">
+              <mc:AlternateContent xmlns:mc="http://schemas.openxmlformats.org/markup-compatibility/2006">
+                <mc:Choice xmlns:v="urn:schemas-microsoft-com:vml" Requires="v">
+                  <p:oleObj spid="_x0000_s2226" name="Equation" r:id="rId31" imgW="152280" imgH="164880" progId="Equation.DSMT4">
+                    <p:embed/>
+                  </p:oleObj>
+                </mc:Choice>
+                <mc:Fallback>
+                  <p:oleObj name="Equation" r:id="rId31" imgW="152280" imgH="164880" progId="Equation.DSMT4">
+                    <p:embed/>
+                    <p:pic>
+                      <p:nvPicPr>
+                        <p:cNvPr id="44" name="Object 43"/>
+                        <p:cNvPicPr/>
+                        <p:nvPr/>
+                      </p:nvPicPr>
+                      <p:blipFill>
+                        <a:blip r:embed="rId32"/>
+                        <a:stretch>
+                          <a:fillRect/>
+                        </a:stretch>
+                      </p:blipFill>
+                      <p:spPr>
+                        <a:xfrm>
+                          <a:off x="10760235" y="5427000"/>
+                          <a:ext cx="261938" cy="284162"/>
+                        </a:xfrm>
+                        <a:prstGeom prst="rect">
+                          <a:avLst/>
+                        </a:prstGeom>
+                      </p:spPr>
+                    </p:pic>
+                  </p:oleObj>
+                </mc:Fallback>
+              </mc:AlternateContent>
+            </a:graphicData>
+          </a:graphic>
+        </p:graphicFrame>
+      </p:grpSp>
+      <p:grpSp>
+        <p:nvGrpSpPr>
+          <p:cNvPr id="56" name="Group 55"/>
+          <p:cNvGrpSpPr/>
+          <p:nvPr/>
+        </p:nvGrpSpPr>
+        <p:grpSpPr>
+          <a:xfrm>
+            <a:off x="4968168" y="5761281"/>
+            <a:ext cx="5874109" cy="417430"/>
+            <a:chOff x="5433134" y="5349929"/>
+            <a:chExt cx="5874109" cy="417430"/>
+          </a:xfrm>
+        </p:grpSpPr>
+        <p:sp>
+          <p:nvSpPr>
+            <p:cNvPr id="57" name="TextBox 56"/>
+            <p:cNvSpPr txBox="1"/>
+            <p:nvPr/>
+          </p:nvSpPr>
+          <p:spPr>
+            <a:xfrm>
+              <a:off x="5433134" y="5362113"/>
+              <a:ext cx="5874109" cy="369332"/>
+            </a:xfrm>
+            <a:prstGeom prst="rect">
+              <a:avLst/>
+            </a:prstGeom>
+            <a:noFill/>
+            <a:ln>
+              <a:solidFill>
+                <a:schemeClr val="tx1"/>
+              </a:solidFill>
+            </a:ln>
+          </p:spPr>
+          <p:txBody>
+            <a:bodyPr wrap="none" rtlCol="0">
+              <a:spAutoFit/>
+            </a:bodyPr>
+            <a:lstStyle/>
+            <a:p>
+              <a:r>
+                <a:rPr lang="en-US" dirty="0"/>
+                <a:t>Increment of the ion momentum          for this step over       ;</a:t>
+              </a:r>
+            </a:p>
+          </p:txBody>
+        </p:sp>
+        <p:graphicFrame>
+          <p:nvGraphicFramePr>
+            <p:cNvPr id="58" name="Object 57"/>
+            <p:cNvGraphicFramePr>
+              <a:graphicFrameLocks noChangeAspect="1"/>
+            </p:cNvGraphicFramePr>
+            <p:nvPr>
+              <p:extLst>
+                <p:ext uri="{D42A27DB-BD31-4B8C-83A1-F6EECF244321}">
+                  <p14:modId xmlns:p14="http://schemas.microsoft.com/office/powerpoint/2010/main" val="2252942885"/>
+                </p:ext>
+              </p:extLst>
+            </p:nvPr>
+          </p:nvGraphicFramePr>
+          <p:xfrm>
+            <a:off x="8609109" y="5349929"/>
+            <a:ext cx="415925" cy="393700"/>
+          </p:xfrm>
+          <a:graphic>
+            <a:graphicData uri="http://schemas.openxmlformats.org/presentationml/2006/ole">
+              <mc:AlternateContent xmlns:mc="http://schemas.openxmlformats.org/markup-compatibility/2006">
+                <mc:Choice xmlns:v="urn:schemas-microsoft-com:vml" Requires="v">
+                  <p:oleObj spid="_x0000_s2227" name="Equation" r:id="rId33" imgW="241200" imgH="228600" progId="Equation.DSMT4">
+                    <p:embed/>
+                  </p:oleObj>
+                </mc:Choice>
+                <mc:Fallback>
+                  <p:oleObj name="Equation" r:id="rId33" imgW="241200" imgH="228600" progId="Equation.DSMT4">
+                    <p:embed/>
+                    <p:pic>
+                      <p:nvPicPr>
+                        <p:cNvPr id="43" name="Object 42"/>
+                        <p:cNvPicPr/>
+                        <p:nvPr/>
+                      </p:nvPicPr>
+                      <p:blipFill>
+                        <a:blip r:embed="rId27"/>
+                        <a:stretch>
+                          <a:fillRect/>
+                        </a:stretch>
+                      </p:blipFill>
+                      <p:spPr>
+                        <a:xfrm>
+                          <a:off x="8609109" y="5349929"/>
+                          <a:ext cx="415925" cy="393700"/>
+                        </a:xfrm>
+                        <a:prstGeom prst="rect">
+                          <a:avLst/>
+                        </a:prstGeom>
+                      </p:spPr>
+                    </p:pic>
+                  </p:oleObj>
+                </mc:Fallback>
+              </mc:AlternateContent>
+            </a:graphicData>
+          </a:graphic>
+        </p:graphicFrame>
+        <p:graphicFrame>
+          <p:nvGraphicFramePr>
+            <p:cNvPr id="59" name="Object 58"/>
+            <p:cNvGraphicFramePr>
+              <a:graphicFrameLocks noChangeAspect="1"/>
+            </p:cNvGraphicFramePr>
+            <p:nvPr>
+              <p:extLst>
+                <p:ext uri="{D42A27DB-BD31-4B8C-83A1-F6EECF244321}">
+                  <p14:modId xmlns:p14="http://schemas.microsoft.com/office/powerpoint/2010/main" val="1833742002"/>
+                </p:ext>
+              </p:extLst>
+            </p:nvPr>
+          </p:nvGraphicFramePr>
+          <p:xfrm>
+            <a:off x="10696712" y="5373659"/>
+            <a:ext cx="304800" cy="393700"/>
+          </p:xfrm>
+          <a:graphic>
+            <a:graphicData uri="http://schemas.openxmlformats.org/presentationml/2006/ole">
+              <mc:AlternateContent xmlns:mc="http://schemas.openxmlformats.org/markup-compatibility/2006">
+                <mc:Choice xmlns:v="urn:schemas-microsoft-com:vml" Requires="v">
+                  <p:oleObj spid="_x0000_s2228" name="Equation" r:id="rId34" imgW="177480" imgH="228600" progId="Equation.DSMT4">
+                    <p:embed/>
+                  </p:oleObj>
+                </mc:Choice>
+                <mc:Fallback>
+                  <p:oleObj name="Equation" r:id="rId34" imgW="177480" imgH="228600" progId="Equation.DSMT4">
+                    <p:embed/>
+                    <p:pic>
+                      <p:nvPicPr>
+                        <p:cNvPr id="44" name="Object 43"/>
+                        <p:cNvPicPr/>
+                        <p:nvPr/>
+                      </p:nvPicPr>
+                      <p:blipFill>
+                        <a:blip r:embed="rId35"/>
+                        <a:stretch>
+                          <a:fillRect/>
+                        </a:stretch>
+                      </p:blipFill>
+                      <p:spPr>
+                        <a:xfrm>
+                          <a:off x="10696712" y="5373659"/>
+                          <a:ext cx="304800" cy="393700"/>
+                        </a:xfrm>
+                        <a:prstGeom prst="rect">
+                          <a:avLst/>
+                        </a:prstGeom>
+                      </p:spPr>
+                    </p:pic>
+                  </p:oleObj>
+                </mc:Fallback>
+              </mc:AlternateContent>
+            </a:graphicData>
+          </a:graphic>
+        </p:graphicFrame>
+      </p:grpSp>
+      <p:graphicFrame>
+        <p:nvGraphicFramePr>
+          <p:cNvPr id="60" name="Object 59"/>
+          <p:cNvGraphicFramePr>
+            <a:graphicFrameLocks noChangeAspect="1"/>
+          </p:cNvGraphicFramePr>
+          <p:nvPr>
+            <p:extLst>
+              <p:ext uri="{D42A27DB-BD31-4B8C-83A1-F6EECF244321}">
+                <p14:modId xmlns:p14="http://schemas.microsoft.com/office/powerpoint/2010/main" val="101330064"/>
+              </p:ext>
+            </p:extLst>
+          </p:nvPr>
+        </p:nvGraphicFramePr>
+        <p:xfrm>
+          <a:off x="9749919" y="488020"/>
+          <a:ext cx="503238" cy="393700"/>
+        </p:xfrm>
+        <a:graphic>
+          <a:graphicData uri="http://schemas.openxmlformats.org/presentationml/2006/ole">
+            <mc:AlternateContent xmlns:mc="http://schemas.openxmlformats.org/markup-compatibility/2006">
+              <mc:Choice xmlns:v="urn:schemas-microsoft-com:vml" Requires="v">
+                <p:oleObj spid="_x0000_s2229" name="Equation" r:id="rId36" imgW="291960" imgH="228600" progId="Equation.DSMT4">
+                  <p:embed/>
+                </p:oleObj>
+              </mc:Choice>
+              <mc:Fallback>
+                <p:oleObj name="Equation" r:id="rId36" imgW="291960" imgH="228600" progId="Equation.DSMT4">
+                  <p:embed/>
+                  <p:pic>
+                    <p:nvPicPr>
+                      <p:cNvPr id="42" name="Object 41"/>
+                      <p:cNvPicPr/>
+                      <p:nvPr/>
+                    </p:nvPicPr>
+                    <p:blipFill>
+                      <a:blip r:embed="rId37"/>
+                      <a:stretch>
+                        <a:fillRect/>
+                      </a:stretch>
+                    </p:blipFill>
+                    <p:spPr>
+                      <a:xfrm>
+                        <a:off x="9749919" y="488020"/>
+                        <a:ext cx="503238" cy="393700"/>
+                      </a:xfrm>
+                      <a:prstGeom prst="rect">
+                        <a:avLst/>
+                      </a:prstGeom>
+                    </p:spPr>
+                  </p:pic>
+                </p:oleObj>
+              </mc:Fallback>
+            </mc:AlternateContent>
+          </a:graphicData>
+        </a:graphic>
+      </p:graphicFrame>
+      <p:graphicFrame>
+        <p:nvGraphicFramePr>
+          <p:cNvPr id="61" name="Object 60"/>
+          <p:cNvGraphicFramePr>
+            <a:graphicFrameLocks noChangeAspect="1"/>
+          </p:cNvGraphicFramePr>
+          <p:nvPr>
+            <p:extLst>
+              <p:ext uri="{D42A27DB-BD31-4B8C-83A1-F6EECF244321}">
+                <p14:modId xmlns:p14="http://schemas.microsoft.com/office/powerpoint/2010/main" val="2668133860"/>
+              </p:ext>
+            </p:extLst>
+          </p:nvPr>
+        </p:nvGraphicFramePr>
+        <p:xfrm>
+          <a:off x="10006566" y="938858"/>
+          <a:ext cx="417513" cy="349250"/>
+        </p:xfrm>
+        <a:graphic>
+          <a:graphicData uri="http://schemas.openxmlformats.org/presentationml/2006/ole">
+            <mc:AlternateContent xmlns:mc="http://schemas.openxmlformats.org/markup-compatibility/2006">
+              <mc:Choice xmlns:v="urn:schemas-microsoft-com:vml" Requires="v">
+                <p:oleObj spid="_x0000_s2230" name="Equation" r:id="rId38" imgW="241200" imgH="203040" progId="Equation.DSMT4">
+                  <p:embed/>
+                </p:oleObj>
+              </mc:Choice>
+              <mc:Fallback>
+                <p:oleObj name="Equation" r:id="rId38" imgW="241200" imgH="203040" progId="Equation.DSMT4">
+                  <p:embed/>
+                  <p:pic>
+                    <p:nvPicPr>
+                      <p:cNvPr id="41" name="Object 40"/>
+                      <p:cNvPicPr/>
+                      <p:nvPr/>
+                    </p:nvPicPr>
+                    <p:blipFill>
+                      <a:blip r:embed="rId39"/>
+                      <a:stretch>
+                        <a:fillRect/>
+                      </a:stretch>
+                    </p:blipFill>
+                    <p:spPr>
+                      <a:xfrm>
+                        <a:off x="10006566" y="938858"/>
+                        <a:ext cx="417513" cy="349250"/>
+                      </a:xfrm>
+                      <a:prstGeom prst="rect">
+                        <a:avLst/>
+                      </a:prstGeom>
+                    </p:spPr>
+                  </p:pic>
+                </p:oleObj>
+              </mc:Fallback>
+            </mc:AlternateContent>
+          </a:graphicData>
+        </a:graphic>
+      </p:graphicFrame>
+      <p:graphicFrame>
+        <p:nvGraphicFramePr>
+          <p:cNvPr id="49" name="Object 48"/>
+          <p:cNvGraphicFramePr>
+            <a:graphicFrameLocks noChangeAspect="1"/>
+          </p:cNvGraphicFramePr>
+          <p:nvPr>
+            <p:extLst>
+              <p:ext uri="{D42A27DB-BD31-4B8C-83A1-F6EECF244321}">
+                <p14:modId xmlns:p14="http://schemas.microsoft.com/office/powerpoint/2010/main" val="2050918440"/>
+              </p:ext>
+            </p:extLst>
+          </p:nvPr>
+        </p:nvGraphicFramePr>
+        <p:xfrm>
+          <a:off x="8583542" y="1392669"/>
+          <a:ext cx="263525" cy="414337"/>
+        </p:xfrm>
+        <a:graphic>
+          <a:graphicData uri="http://schemas.openxmlformats.org/presentationml/2006/ole">
+            <mc:AlternateContent xmlns:mc="http://schemas.openxmlformats.org/markup-compatibility/2006">
+              <mc:Choice xmlns:v="urn:schemas-microsoft-com:vml" Requires="v">
+                <p:oleObj spid="_x0000_s2231" name="Equation" r:id="rId40" imgW="152280" imgH="241200" progId="Equation.DSMT4">
+                  <p:embed/>
+                </p:oleObj>
+              </mc:Choice>
+              <mc:Fallback>
+                <p:oleObj name="Equation" r:id="rId40" imgW="152280" imgH="241200" progId="Equation.DSMT4">
+                  <p:embed/>
+                  <p:pic>
+                    <p:nvPicPr>
+                      <p:cNvPr id="42" name="Object 41"/>
+                      <p:cNvPicPr/>
+                      <p:nvPr/>
+                    </p:nvPicPr>
+                    <p:blipFill>
+                      <a:blip r:embed="rId41"/>
+                      <a:stretch>
+                        <a:fillRect/>
+                      </a:stretch>
+                    </p:blipFill>
+                    <p:spPr>
+                      <a:xfrm>
+                        <a:off x="8583542" y="1392669"/>
+                        <a:ext cx="263525" cy="414337"/>
+                      </a:xfrm>
+                      <a:prstGeom prst="rect">
+                        <a:avLst/>
+                      </a:prstGeom>
+                    </p:spPr>
+                  </p:pic>
+                </p:oleObj>
+              </mc:Fallback>
+            </mc:AlternateContent>
+          </a:graphicData>
+        </a:graphic>
+      </p:graphicFrame>
+      <p:graphicFrame>
+        <p:nvGraphicFramePr>
+          <p:cNvPr id="50" name="Object 49"/>
+          <p:cNvGraphicFramePr>
+            <a:graphicFrameLocks noChangeAspect="1"/>
+          </p:cNvGraphicFramePr>
+          <p:nvPr>
+            <p:extLst>
+              <p:ext uri="{D42A27DB-BD31-4B8C-83A1-F6EECF244321}">
+                <p14:modId xmlns:p14="http://schemas.microsoft.com/office/powerpoint/2010/main" val="3503876524"/>
+              </p:ext>
+            </p:extLst>
+          </p:nvPr>
+        </p:nvGraphicFramePr>
+        <p:xfrm>
+          <a:off x="10191921" y="1392669"/>
+          <a:ext cx="439737" cy="414337"/>
+        </p:xfrm>
+        <a:graphic>
+          <a:graphicData uri="http://schemas.openxmlformats.org/presentationml/2006/ole">
+            <mc:AlternateContent xmlns:mc="http://schemas.openxmlformats.org/markup-compatibility/2006">
+              <mc:Choice xmlns:v="urn:schemas-microsoft-com:vml" Requires="v">
+                <p:oleObj spid="_x0000_s2232" name="Equation" r:id="rId42" imgW="253800" imgH="241200" progId="Equation.DSMT4">
+                  <p:embed/>
+                </p:oleObj>
+              </mc:Choice>
+              <mc:Fallback>
+                <p:oleObj name="Equation" r:id="rId42" imgW="253800" imgH="241200" progId="Equation.DSMT4">
+                  <p:embed/>
+                  <p:pic>
+                    <p:nvPicPr>
+                      <p:cNvPr id="49" name="Object 48"/>
+                      <p:cNvPicPr/>
+                      <p:nvPr/>
+                    </p:nvPicPr>
+                    <p:blipFill>
+                      <a:blip r:embed="rId43"/>
+                      <a:stretch>
+                        <a:fillRect/>
+                      </a:stretch>
+                    </p:blipFill>
+                    <p:spPr>
+                      <a:xfrm>
+                        <a:off x="10191921" y="1392669"/>
+                        <a:ext cx="439737" cy="414337"/>
+                      </a:xfrm>
+                      <a:prstGeom prst="rect">
+                        <a:avLst/>
+                      </a:prstGeom>
+                    </p:spPr>
+                  </p:pic>
+                </p:oleObj>
+              </mc:Fallback>
+            </mc:AlternateContent>
+          </a:graphicData>
+        </a:graphic>
+      </p:graphicFrame>
+      <p:graphicFrame>
+        <p:nvGraphicFramePr>
+          <p:cNvPr id="51" name="Object 50"/>
+          <p:cNvGraphicFramePr>
+            <a:graphicFrameLocks noChangeAspect="1"/>
+          </p:cNvGraphicFramePr>
+          <p:nvPr>
+            <p:extLst>
+              <p:ext uri="{D42A27DB-BD31-4B8C-83A1-F6EECF244321}">
+                <p14:modId xmlns:p14="http://schemas.microsoft.com/office/powerpoint/2010/main" val="1190129263"/>
+              </p:ext>
+            </p:extLst>
+          </p:nvPr>
+        </p:nvGraphicFramePr>
+        <p:xfrm>
+          <a:off x="7666092" y="1871854"/>
+          <a:ext cx="274638" cy="285750"/>
+        </p:xfrm>
+        <a:graphic>
+          <a:graphicData uri="http://schemas.openxmlformats.org/presentationml/2006/ole">
+            <mc:AlternateContent xmlns:mc="http://schemas.openxmlformats.org/markup-compatibility/2006">
+              <mc:Choice xmlns:v="urn:schemas-microsoft-com:vml" Requires="v">
+                <p:oleObj spid="_x0000_s2233" name="Equation" r:id="rId44" imgW="139680" imgH="164880" progId="Equation.DSMT4">
+                  <p:embed/>
+                </p:oleObj>
+              </mc:Choice>
+              <mc:Fallback>
+                <p:oleObj name="Equation" r:id="rId44" imgW="139680" imgH="164880" progId="Equation.DSMT4">
+                  <p:embed/>
+                  <p:pic>
+                    <p:nvPicPr>
+                      <p:cNvPr id="23" name="Object 22"/>
+                      <p:cNvPicPr/>
+                      <p:nvPr/>
+                    </p:nvPicPr>
+                    <p:blipFill>
+                      <a:blip r:embed="rId45"/>
+                      <a:stretch>
+                        <a:fillRect/>
+                      </a:stretch>
+                    </p:blipFill>
+                    <p:spPr>
+                      <a:xfrm>
+                        <a:off x="7666092" y="1871854"/>
+                        <a:ext cx="274638" cy="285750"/>
+                      </a:xfrm>
+                      <a:prstGeom prst="rect">
+                        <a:avLst/>
+                      </a:prstGeom>
+                    </p:spPr>
+                  </p:pic>
+                </p:oleObj>
+              </mc:Fallback>
+            </mc:AlternateContent>
+          </a:graphicData>
+        </a:graphic>
+      </p:graphicFrame>
+      <p:cxnSp>
+        <p:nvCxnSpPr>
+          <p:cNvPr id="3" name="Straight Connector 2"/>
+          <p:cNvCxnSpPr>
+            <a:stCxn id="17" idx="1"/>
+          </p:cNvCxnSpPr>
+          <p:nvPr/>
+        </p:nvCxnSpPr>
+        <p:spPr>
+          <a:xfrm flipH="1">
+            <a:off x="5564692" y="2041463"/>
+            <a:ext cx="161234" cy="6091"/>
+          </a:xfrm>
+          <a:prstGeom prst="line">
+            <a:avLst/>
+          </a:prstGeom>
+          <a:ln w="19050">
+            <a:solidFill>
+              <a:schemeClr val="tx1"/>
+            </a:solidFill>
+          </a:ln>
+        </p:spPr>
+        <p:style>
+          <a:lnRef idx="1">
+            <a:schemeClr val="accent1"/>
+          </a:lnRef>
+          <a:fillRef idx="0">
+            <a:schemeClr val="accent1"/>
+          </a:fillRef>
+          <a:effectRef idx="0">
+            <a:schemeClr val="accent1"/>
+          </a:effectRef>
+          <a:fontRef idx="minor">
+            <a:schemeClr val="tx1"/>
+          </a:fontRef>
+        </p:style>
+      </p:cxnSp>
+      <p:cxnSp>
+        <p:nvCxnSpPr>
+          <p:cNvPr id="62" name="Straight Connector 61"/>
+          <p:cNvCxnSpPr/>
+          <p:nvPr/>
+        </p:nvCxnSpPr>
+        <p:spPr>
+          <a:xfrm flipH="1" flipV="1">
+            <a:off x="5575759" y="2044509"/>
+            <a:ext cx="8794" cy="2390773"/>
+          </a:xfrm>
+          <a:prstGeom prst="line">
+            <a:avLst/>
+          </a:prstGeom>
+          <a:ln w="19050">
+            <a:solidFill>
+              <a:schemeClr val="tx1"/>
+            </a:solidFill>
+          </a:ln>
+        </p:spPr>
+        <p:style>
+          <a:lnRef idx="1">
+            <a:schemeClr val="accent1"/>
+          </a:lnRef>
+          <a:fillRef idx="0">
+            <a:schemeClr val="accent1"/>
+          </a:fillRef>
+          <a:effectRef idx="0">
+            <a:schemeClr val="accent1"/>
+          </a:effectRef>
+          <a:fontRef idx="minor">
+            <a:schemeClr val="tx1"/>
+          </a:fontRef>
+        </p:style>
+      </p:cxnSp>
+      <p:cxnSp>
+        <p:nvCxnSpPr>
+          <p:cNvPr id="63" name="Straight Connector 62"/>
+          <p:cNvCxnSpPr/>
+          <p:nvPr/>
+        </p:nvCxnSpPr>
+        <p:spPr>
+          <a:xfrm flipH="1" flipV="1">
+            <a:off x="5584553" y="4435282"/>
+            <a:ext cx="606736" cy="2006"/>
+          </a:xfrm>
+          <a:prstGeom prst="line">
+            <a:avLst/>
+          </a:prstGeom>
+          <a:ln w="19050">
+            <a:solidFill>
+              <a:schemeClr val="tx1"/>
+            </a:solidFill>
+          </a:ln>
+        </p:spPr>
+        <p:style>
+          <a:lnRef idx="1">
+            <a:schemeClr val="accent1"/>
+          </a:lnRef>
+          <a:fillRef idx="0">
+            <a:schemeClr val="accent1"/>
+          </a:fillRef>
+          <a:effectRef idx="0">
+            <a:schemeClr val="accent1"/>
+          </a:effectRef>
+          <a:fontRef idx="minor">
+            <a:schemeClr val="tx1"/>
+          </a:fontRef>
+        </p:style>
+      </p:cxnSp>
+      <p:cxnSp>
+        <p:nvCxnSpPr>
+          <p:cNvPr id="64" name="Straight Connector 63"/>
+          <p:cNvCxnSpPr/>
+          <p:nvPr/>
+        </p:nvCxnSpPr>
+        <p:spPr>
+          <a:xfrm flipH="1">
+            <a:off x="5235240" y="1618063"/>
+            <a:ext cx="277283" cy="1310"/>
+          </a:xfrm>
+          <a:prstGeom prst="line">
+            <a:avLst/>
+          </a:prstGeom>
+          <a:ln w="19050">
+            <a:solidFill>
+              <a:schemeClr val="tx1"/>
+            </a:solidFill>
+          </a:ln>
+        </p:spPr>
+        <p:style>
+          <a:lnRef idx="1">
+            <a:schemeClr val="accent1"/>
+          </a:lnRef>
+          <a:fillRef idx="0">
+            <a:schemeClr val="accent1"/>
+          </a:fillRef>
+          <a:effectRef idx="0">
+            <a:schemeClr val="accent1"/>
+          </a:effectRef>
+          <a:fontRef idx="minor">
+            <a:schemeClr val="tx1"/>
+          </a:fontRef>
+        </p:style>
+      </p:cxnSp>
+      <p:cxnSp>
+        <p:nvCxnSpPr>
+          <p:cNvPr id="65" name="Straight Connector 64"/>
+          <p:cNvCxnSpPr/>
+          <p:nvPr/>
+        </p:nvCxnSpPr>
+        <p:spPr>
+          <a:xfrm flipH="1" flipV="1">
+            <a:off x="5260821" y="5061560"/>
+            <a:ext cx="930468" cy="3674"/>
+          </a:xfrm>
+          <a:prstGeom prst="line">
+            <a:avLst/>
+          </a:prstGeom>
+          <a:ln w="19050">
+            <a:solidFill>
+              <a:schemeClr val="tx1"/>
+            </a:solidFill>
+          </a:ln>
+        </p:spPr>
+        <p:style>
+          <a:lnRef idx="1">
+            <a:schemeClr val="accent1"/>
+          </a:lnRef>
+          <a:fillRef idx="0">
+            <a:schemeClr val="accent1"/>
+          </a:fillRef>
+          <a:effectRef idx="0">
+            <a:schemeClr val="accent1"/>
+          </a:effectRef>
+          <a:fontRef idx="minor">
+            <a:schemeClr val="tx1"/>
+          </a:fontRef>
+        </p:style>
+      </p:cxnSp>
+      <p:cxnSp>
+        <p:nvCxnSpPr>
+          <p:cNvPr id="66" name="Straight Connector 65"/>
+          <p:cNvCxnSpPr/>
+          <p:nvPr/>
+        </p:nvCxnSpPr>
+        <p:spPr>
+          <a:xfrm flipH="1" flipV="1">
+            <a:off x="4876800" y="1130099"/>
+            <a:ext cx="439603" cy="9521"/>
+          </a:xfrm>
+          <a:prstGeom prst="line">
+            <a:avLst/>
+          </a:prstGeom>
+          <a:ln w="19050">
+            <a:solidFill>
+              <a:schemeClr val="tx1"/>
+            </a:solidFill>
+          </a:ln>
+        </p:spPr>
+        <p:style>
+          <a:lnRef idx="1">
+            <a:schemeClr val="accent1"/>
+          </a:lnRef>
+          <a:fillRef idx="0">
+            <a:schemeClr val="accent1"/>
+          </a:fillRef>
+          <a:effectRef idx="0">
+            <a:schemeClr val="accent1"/>
+          </a:effectRef>
+          <a:fontRef idx="minor">
+            <a:schemeClr val="tx1"/>
+          </a:fontRef>
+        </p:style>
+      </p:cxnSp>
+      <p:cxnSp>
+        <p:nvCxnSpPr>
+          <p:cNvPr id="67" name="Straight Connector 66"/>
+          <p:cNvCxnSpPr/>
+          <p:nvPr/>
+        </p:nvCxnSpPr>
+        <p:spPr>
+          <a:xfrm flipH="1" flipV="1">
+            <a:off x="4486347" y="716013"/>
+            <a:ext cx="606736" cy="2006"/>
+          </a:xfrm>
+          <a:prstGeom prst="line">
+            <a:avLst/>
+          </a:prstGeom>
+          <a:ln w="19050">
+            <a:solidFill>
+              <a:schemeClr val="tx1"/>
+            </a:solidFill>
+          </a:ln>
+        </p:spPr>
+        <p:style>
+          <a:lnRef idx="1">
+            <a:schemeClr val="accent1"/>
+          </a:lnRef>
+          <a:fillRef idx="0">
+            <a:schemeClr val="accent1"/>
+          </a:fillRef>
+          <a:effectRef idx="0">
+            <a:schemeClr val="accent1"/>
+          </a:effectRef>
+          <a:fontRef idx="minor">
+            <a:schemeClr val="tx1"/>
+          </a:fontRef>
+        </p:style>
+      </p:cxnSp>
+      <p:cxnSp>
+        <p:nvCxnSpPr>
+          <p:cNvPr id="68" name="Straight Connector 67"/>
+          <p:cNvCxnSpPr/>
+          <p:nvPr/>
+        </p:nvCxnSpPr>
+        <p:spPr>
+          <a:xfrm flipH="1">
+            <a:off x="4851523" y="5657798"/>
+            <a:ext cx="1339766" cy="3572"/>
+          </a:xfrm>
+          <a:prstGeom prst="line">
+            <a:avLst/>
+          </a:prstGeom>
+          <a:ln w="19050">
+            <a:solidFill>
+              <a:schemeClr val="tx1"/>
+            </a:solidFill>
+          </a:ln>
+        </p:spPr>
+        <p:style>
+          <a:lnRef idx="1">
+            <a:schemeClr val="accent1"/>
+          </a:lnRef>
+          <a:fillRef idx="0">
+            <a:schemeClr val="accent1"/>
+          </a:fillRef>
+          <a:effectRef idx="0">
+            <a:schemeClr val="accent1"/>
+          </a:effectRef>
+          <a:fontRef idx="minor">
+            <a:schemeClr val="tx1"/>
+          </a:fontRef>
+        </p:style>
+      </p:cxnSp>
+      <p:cxnSp>
+        <p:nvCxnSpPr>
+          <p:cNvPr id="69" name="Straight Connector 68"/>
+          <p:cNvCxnSpPr/>
+          <p:nvPr/>
+        </p:nvCxnSpPr>
+        <p:spPr>
+          <a:xfrm flipV="1">
+            <a:off x="4198087" y="278076"/>
+            <a:ext cx="16098" cy="6497803"/>
+          </a:xfrm>
+          <a:prstGeom prst="line">
+            <a:avLst/>
+          </a:prstGeom>
+          <a:ln w="19050">
+            <a:solidFill>
+              <a:schemeClr val="tx1"/>
+            </a:solidFill>
+          </a:ln>
+        </p:spPr>
+        <p:style>
+          <a:lnRef idx="1">
+            <a:schemeClr val="accent1"/>
+          </a:lnRef>
+          <a:fillRef idx="0">
+            <a:schemeClr val="accent1"/>
+          </a:fillRef>
+          <a:effectRef idx="0">
+            <a:schemeClr val="accent1"/>
+          </a:effectRef>
+          <a:fontRef idx="minor">
+            <a:schemeClr val="tx1"/>
+          </a:fontRef>
+        </p:style>
+      </p:cxnSp>
+      <p:cxnSp>
+        <p:nvCxnSpPr>
+          <p:cNvPr id="70" name="Straight Connector 69"/>
+          <p:cNvCxnSpPr/>
+          <p:nvPr/>
+        </p:nvCxnSpPr>
+        <p:spPr>
+          <a:xfrm flipV="1">
+            <a:off x="4486347" y="711304"/>
+            <a:ext cx="11638" cy="5483624"/>
+          </a:xfrm>
+          <a:prstGeom prst="line">
+            <a:avLst/>
+          </a:prstGeom>
+          <a:ln w="19050">
+            <a:solidFill>
+              <a:schemeClr val="tx1"/>
+            </a:solidFill>
+          </a:ln>
+        </p:spPr>
+        <p:style>
+          <a:lnRef idx="1">
+            <a:schemeClr val="accent1"/>
+          </a:lnRef>
+          <a:fillRef idx="0">
+            <a:schemeClr val="accent1"/>
+          </a:fillRef>
+          <a:effectRef idx="0">
+            <a:schemeClr val="accent1"/>
+          </a:effectRef>
+          <a:fontRef idx="minor">
+            <a:schemeClr val="tx1"/>
+          </a:fontRef>
+        </p:style>
+      </p:cxnSp>
+      <p:cxnSp>
+        <p:nvCxnSpPr>
+          <p:cNvPr id="71" name="Straight Connector 70"/>
+          <p:cNvCxnSpPr/>
+          <p:nvPr/>
+        </p:nvCxnSpPr>
+        <p:spPr>
+          <a:xfrm flipV="1">
+            <a:off x="4848575" y="1123664"/>
+            <a:ext cx="45302" cy="4534134"/>
+          </a:xfrm>
+          <a:prstGeom prst="line">
+            <a:avLst/>
+          </a:prstGeom>
+          <a:ln w="19050">
+            <a:solidFill>
+              <a:schemeClr val="tx1"/>
+            </a:solidFill>
+          </a:ln>
+        </p:spPr>
+        <p:style>
+          <a:lnRef idx="1">
+            <a:schemeClr val="accent1"/>
+          </a:lnRef>
+          <a:fillRef idx="0">
+            <a:schemeClr val="accent1"/>
+          </a:fillRef>
+          <a:effectRef idx="0">
+            <a:schemeClr val="accent1"/>
+          </a:effectRef>
+          <a:fontRef idx="minor">
+            <a:schemeClr val="tx1"/>
+          </a:fontRef>
+        </p:style>
+      </p:cxnSp>
+      <p:cxnSp>
+        <p:nvCxnSpPr>
+          <p:cNvPr id="72" name="Straight Connector 71"/>
+          <p:cNvCxnSpPr/>
+          <p:nvPr/>
+        </p:nvCxnSpPr>
+        <p:spPr>
+          <a:xfrm flipH="1" flipV="1">
+            <a:off x="5227754" y="1618064"/>
+            <a:ext cx="12358" cy="3443496"/>
+          </a:xfrm>
+          <a:prstGeom prst="line">
+            <a:avLst/>
+          </a:prstGeom>
+          <a:ln w="19050">
+            <a:solidFill>
+              <a:schemeClr val="tx1"/>
+            </a:solidFill>
+          </a:ln>
+        </p:spPr>
+        <p:style>
+          <a:lnRef idx="1">
+            <a:schemeClr val="accent1"/>
+          </a:lnRef>
+          <a:fillRef idx="0">
+            <a:schemeClr val="accent1"/>
+          </a:fillRef>
+          <a:effectRef idx="0">
+            <a:schemeClr val="accent1"/>
+          </a:effectRef>
+          <a:fontRef idx="minor">
+            <a:schemeClr val="tx1"/>
+          </a:fontRef>
+        </p:style>
+      </p:cxnSp>
+      <p:cxnSp>
+        <p:nvCxnSpPr>
+          <p:cNvPr id="79" name="Straight Connector 78"/>
+          <p:cNvCxnSpPr/>
+          <p:nvPr/>
+        </p:nvCxnSpPr>
+        <p:spPr>
+          <a:xfrm flipH="1" flipV="1">
+            <a:off x="4459126" y="6194928"/>
+            <a:ext cx="1699096" cy="9589"/>
+          </a:xfrm>
+          <a:prstGeom prst="line">
+            <a:avLst/>
+          </a:prstGeom>
+          <a:ln w="19050">
+            <a:solidFill>
+              <a:schemeClr val="tx1"/>
+            </a:solidFill>
+          </a:ln>
+        </p:spPr>
+        <p:style>
+          <a:lnRef idx="1">
+            <a:schemeClr val="accent1"/>
+          </a:lnRef>
+          <a:fillRef idx="0">
+            <a:schemeClr val="accent1"/>
+          </a:fillRef>
+          <a:effectRef idx="0">
+            <a:schemeClr val="accent1"/>
+          </a:effectRef>
+          <a:fontRef idx="minor">
+            <a:schemeClr val="tx1"/>
+          </a:fontRef>
+        </p:style>
+      </p:cxnSp>
+      <p:grpSp>
+        <p:nvGrpSpPr>
+          <p:cNvPr id="87" name="Group 86"/>
+          <p:cNvGrpSpPr/>
+          <p:nvPr/>
+        </p:nvGrpSpPr>
+        <p:grpSpPr>
+          <a:xfrm>
+            <a:off x="4662261" y="6222665"/>
+            <a:ext cx="2277215" cy="460375"/>
+            <a:chOff x="5433134" y="5316591"/>
+            <a:chExt cx="2277215" cy="460375"/>
+          </a:xfrm>
+        </p:grpSpPr>
+        <p:sp>
+          <p:nvSpPr>
+            <p:cNvPr id="88" name="TextBox 87"/>
+            <p:cNvSpPr txBox="1"/>
+            <p:nvPr/>
+          </p:nvSpPr>
+          <p:spPr>
+            <a:xfrm>
+              <a:off x="5433134" y="5362113"/>
+              <a:ext cx="2261052" cy="369332"/>
+            </a:xfrm>
+            <a:prstGeom prst="rect">
+              <a:avLst/>
+            </a:prstGeom>
+            <a:noFill/>
+            <a:ln>
+              <a:solidFill>
+                <a:schemeClr val="tx1"/>
+              </a:solidFill>
+            </a:ln>
+          </p:spPr>
+          <p:txBody>
+            <a:bodyPr wrap="square" rtlCol="0">
+              <a:spAutoFit/>
+            </a:bodyPr>
+            <a:lstStyle/>
+            <a:p>
+              <a:r>
+                <a:rPr lang="en-US" dirty="0"/>
+                <a:t>Friction force </a:t>
+              </a:r>
+            </a:p>
+          </p:txBody>
+        </p:sp>
+        <p:graphicFrame>
+          <p:nvGraphicFramePr>
+            <p:cNvPr id="89" name="Object 88"/>
+            <p:cNvGraphicFramePr>
+              <a:graphicFrameLocks noChangeAspect="1"/>
+            </p:cNvGraphicFramePr>
+            <p:nvPr>
+              <p:extLst>
+                <p:ext uri="{D42A27DB-BD31-4B8C-83A1-F6EECF244321}">
+                  <p14:modId xmlns:p14="http://schemas.microsoft.com/office/powerpoint/2010/main" val="3060235805"/>
+                </p:ext>
+              </p:extLst>
+            </p:nvPr>
+          </p:nvGraphicFramePr>
+          <p:xfrm>
+            <a:off x="6768962" y="5316591"/>
+            <a:ext cx="941387" cy="460375"/>
+          </p:xfrm>
+          <a:graphic>
+            <a:graphicData uri="http://schemas.openxmlformats.org/presentationml/2006/ole">
+              <mc:AlternateContent xmlns:mc="http://schemas.openxmlformats.org/markup-compatibility/2006">
+                <mc:Choice xmlns:v="urn:schemas-microsoft-com:vml" Requires="v">
+                  <p:oleObj spid="_x0000_s2234" name="Equation" r:id="rId46" imgW="545760" imgH="266400" progId="Equation.DSMT4">
+                    <p:embed/>
+                  </p:oleObj>
+                </mc:Choice>
+                <mc:Fallback>
+                  <p:oleObj name="Equation" r:id="rId46" imgW="545760" imgH="266400" progId="Equation.DSMT4">
+                    <p:embed/>
+                    <p:pic>
+                      <p:nvPicPr>
+                        <p:cNvPr id="58" name="Object 57"/>
+                        <p:cNvPicPr/>
+                        <p:nvPr/>
+                      </p:nvPicPr>
+                      <p:blipFill>
+                        <a:blip r:embed="rId47"/>
+                        <a:stretch>
+                          <a:fillRect/>
+                        </a:stretch>
+                      </p:blipFill>
+                      <p:spPr>
+                        <a:xfrm>
+                          <a:off x="6768962" y="5316591"/>
+                          <a:ext cx="941387" cy="460375"/>
+                        </a:xfrm>
+                        <a:prstGeom prst="rect">
+                          <a:avLst/>
+                        </a:prstGeom>
+                      </p:spPr>
+                    </p:pic>
+                  </p:oleObj>
+                </mc:Fallback>
+              </mc:AlternateContent>
+            </a:graphicData>
+          </a:graphic>
+        </p:graphicFrame>
+      </p:grpSp>
+      <p:cxnSp>
+        <p:nvCxnSpPr>
+          <p:cNvPr id="91" name="Straight Connector 90"/>
+          <p:cNvCxnSpPr/>
+          <p:nvPr/>
+        </p:nvCxnSpPr>
+        <p:spPr>
+          <a:xfrm flipH="1" flipV="1">
+            <a:off x="4198087" y="6759090"/>
+            <a:ext cx="1912282" cy="16790"/>
+          </a:xfrm>
+          <a:prstGeom prst="line">
+            <a:avLst/>
+          </a:prstGeom>
+          <a:ln w="19050">
+            <a:solidFill>
+              <a:schemeClr val="tx1"/>
+            </a:solidFill>
+          </a:ln>
+        </p:spPr>
+        <p:style>
+          <a:lnRef idx="1">
+            <a:schemeClr val="accent1"/>
+          </a:lnRef>
+          <a:fillRef idx="0">
+            <a:schemeClr val="accent1"/>
+          </a:fillRef>
+          <a:effectRef idx="0">
+            <a:schemeClr val="accent1"/>
+          </a:effectRef>
+          <a:fontRef idx="minor">
+            <a:schemeClr val="tx1"/>
+          </a:fontRef>
+        </p:style>
+      </p:cxnSp>
+      <p:cxnSp>
+        <p:nvCxnSpPr>
+          <p:cNvPr id="92" name="Straight Connector 91"/>
+          <p:cNvCxnSpPr/>
+          <p:nvPr/>
+        </p:nvCxnSpPr>
+        <p:spPr>
+          <a:xfrm flipH="1" flipV="1">
+            <a:off x="4211912" y="299224"/>
+            <a:ext cx="577803" cy="1"/>
+          </a:xfrm>
+          <a:prstGeom prst="line">
+            <a:avLst/>
+          </a:prstGeom>
+          <a:ln w="19050">
+            <a:solidFill>
+              <a:schemeClr val="tx1"/>
+            </a:solidFill>
+          </a:ln>
+        </p:spPr>
+        <p:style>
+          <a:lnRef idx="1">
+            <a:schemeClr val="accent1"/>
+          </a:lnRef>
+          <a:fillRef idx="0">
+            <a:schemeClr val="accent1"/>
+          </a:fillRef>
+          <a:effectRef idx="0">
+            <a:schemeClr val="accent1"/>
+          </a:effectRef>
+          <a:fontRef idx="minor">
+            <a:schemeClr val="tx1"/>
+          </a:fontRef>
+        </p:style>
+      </p:cxnSp>
+    </p:spTree>
+    <p:extLst>
+      <p:ext uri="{BB962C8B-B14F-4D97-AF65-F5344CB8AC3E}">
+        <p14:creationId xmlns:p14="http://schemas.microsoft.com/office/powerpoint/2010/main" val="1398945364"/>
       </p:ext>
     </p:extLst>
   </p:cSld>
